--- a/slides-nkullman-gclenagh-wfyang.pptx
+++ b/slides-nkullman-gclenagh-wfyang.pptx
@@ -109,6 +109,11 @@
       </a:defRPr>
     </a:lvl9pPr>
   </p:defaultTextStyle>
+  <p:extLst>
+    <p:ext uri="{EFAFB233-063F-42B5-8137-9DF3F51BA10A}">
+      <p15:sldGuideLst xmlns:p15="http://schemas.microsoft.com/office/powerpoint/2012/main"/>
+    </p:ext>
+  </p:extLst>
 </p:presentation>
 </file>
 
@@ -305,6 +310,536 @@
 </file>
 
 <file path=ppt/slideLayouts/slideLayout10.xml><?xml version="1.0" encoding="utf-8"?>
+<p:sldLayout xmlns:a="http://schemas.openxmlformats.org/drawingml/2006/main" xmlns:r="http://schemas.openxmlformats.org/officeDocument/2006/relationships" xmlns:p="http://schemas.openxmlformats.org/presentationml/2006/main" type="objTx" preserve="1">
+  <p:cSld name="Content with Caption">
+    <p:spTree>
+      <p:nvGrpSpPr>
+        <p:cNvPr id="1" name=""/>
+        <p:cNvGrpSpPr/>
+        <p:nvPr/>
+      </p:nvGrpSpPr>
+      <p:grpSpPr>
+        <a:xfrm>
+          <a:off x="0" y="0"/>
+          <a:ext cx="0" cy="0"/>
+          <a:chOff x="0" y="0"/>
+          <a:chExt cx="0" cy="0"/>
+        </a:xfrm>
+      </p:grpSpPr>
+      <p:sp>
+        <p:nvSpPr>
+          <p:cNvPr id="2" name="Title 1"/>
+          <p:cNvSpPr>
+            <a:spLocks noGrp="1"/>
+          </p:cNvSpPr>
+          <p:nvPr>
+            <p:ph type="title"/>
+          </p:nvPr>
+        </p:nvSpPr>
+        <p:spPr>
+          <a:xfrm>
+            <a:off x="839788" y="457200"/>
+            <a:ext cx="3932237" cy="1600200"/>
+          </a:xfrm>
+        </p:spPr>
+        <p:txBody>
+          <a:bodyPr anchor="b"/>
+          <a:lstStyle>
+            <a:lvl1pPr>
+              <a:defRPr sz="3200"/>
+            </a:lvl1pPr>
+          </a:lstStyle>
+          <a:p>
+            <a:r>
+              <a:rPr lang="en-US" smtClean="0"/>
+              <a:t>Click to edit Master title style</a:t>
+            </a:r>
+            <a:endParaRPr lang="en-US"/>
+          </a:p>
+        </p:txBody>
+      </p:sp>
+      <p:sp>
+        <p:nvSpPr>
+          <p:cNvPr id="3" name="Content Placeholder 2"/>
+          <p:cNvSpPr>
+            <a:spLocks noGrp="1"/>
+          </p:cNvSpPr>
+          <p:nvPr>
+            <p:ph idx="1"/>
+          </p:nvPr>
+        </p:nvSpPr>
+        <p:spPr>
+          <a:xfrm>
+            <a:off x="5183188" y="987425"/>
+            <a:ext cx="6172200" cy="4873625"/>
+          </a:xfrm>
+        </p:spPr>
+        <p:txBody>
+          <a:bodyPr/>
+          <a:lstStyle>
+            <a:lvl1pPr>
+              <a:defRPr sz="3200"/>
+            </a:lvl1pPr>
+            <a:lvl2pPr>
+              <a:defRPr sz="2800"/>
+            </a:lvl2pPr>
+            <a:lvl3pPr>
+              <a:defRPr sz="2400"/>
+            </a:lvl3pPr>
+            <a:lvl4pPr>
+              <a:defRPr sz="2000"/>
+            </a:lvl4pPr>
+            <a:lvl5pPr>
+              <a:defRPr sz="2000"/>
+            </a:lvl5pPr>
+            <a:lvl6pPr>
+              <a:defRPr sz="2000"/>
+            </a:lvl6pPr>
+            <a:lvl7pPr>
+              <a:defRPr sz="2000"/>
+            </a:lvl7pPr>
+            <a:lvl8pPr>
+              <a:defRPr sz="2000"/>
+            </a:lvl8pPr>
+            <a:lvl9pPr>
+              <a:defRPr sz="2000"/>
+            </a:lvl9pPr>
+          </a:lstStyle>
+          <a:p>
+            <a:pPr lvl="0"/>
+            <a:r>
+              <a:rPr lang="en-US" smtClean="0"/>
+              <a:t>Click to edit Master text styles</a:t>
+            </a:r>
+          </a:p>
+          <a:p>
+            <a:pPr lvl="1"/>
+            <a:r>
+              <a:rPr lang="en-US" smtClean="0"/>
+              <a:t>Second level</a:t>
+            </a:r>
+          </a:p>
+          <a:p>
+            <a:pPr lvl="2"/>
+            <a:r>
+              <a:rPr lang="en-US" smtClean="0"/>
+              <a:t>Third level</a:t>
+            </a:r>
+          </a:p>
+          <a:p>
+            <a:pPr lvl="3"/>
+            <a:r>
+              <a:rPr lang="en-US" smtClean="0"/>
+              <a:t>Fourth level</a:t>
+            </a:r>
+          </a:p>
+          <a:p>
+            <a:pPr lvl="4"/>
+            <a:r>
+              <a:rPr lang="en-US" smtClean="0"/>
+              <a:t>Fifth level</a:t>
+            </a:r>
+            <a:endParaRPr lang="en-US"/>
+          </a:p>
+        </p:txBody>
+      </p:sp>
+      <p:sp>
+        <p:nvSpPr>
+          <p:cNvPr id="4" name="Text Placeholder 3"/>
+          <p:cNvSpPr>
+            <a:spLocks noGrp="1"/>
+          </p:cNvSpPr>
+          <p:nvPr>
+            <p:ph type="body" sz="half" idx="2"/>
+          </p:nvPr>
+        </p:nvSpPr>
+        <p:spPr>
+          <a:xfrm>
+            <a:off x="839788" y="2057400"/>
+            <a:ext cx="3932237" cy="3811588"/>
+          </a:xfrm>
+        </p:spPr>
+        <p:txBody>
+          <a:bodyPr/>
+          <a:lstStyle>
+            <a:lvl1pPr marL="0" indent="0">
+              <a:buNone/>
+              <a:defRPr sz="1600"/>
+            </a:lvl1pPr>
+            <a:lvl2pPr marL="457200" indent="0">
+              <a:buNone/>
+              <a:defRPr sz="1400"/>
+            </a:lvl2pPr>
+            <a:lvl3pPr marL="914400" indent="0">
+              <a:buNone/>
+              <a:defRPr sz="1200"/>
+            </a:lvl3pPr>
+            <a:lvl4pPr marL="1371600" indent="0">
+              <a:buNone/>
+              <a:defRPr sz="1000"/>
+            </a:lvl4pPr>
+            <a:lvl5pPr marL="1828800" indent="0">
+              <a:buNone/>
+              <a:defRPr sz="1000"/>
+            </a:lvl5pPr>
+            <a:lvl6pPr marL="2286000" indent="0">
+              <a:buNone/>
+              <a:defRPr sz="1000"/>
+            </a:lvl6pPr>
+            <a:lvl7pPr marL="2743200" indent="0">
+              <a:buNone/>
+              <a:defRPr sz="1000"/>
+            </a:lvl7pPr>
+            <a:lvl8pPr marL="3200400" indent="0">
+              <a:buNone/>
+              <a:defRPr sz="1000"/>
+            </a:lvl8pPr>
+            <a:lvl9pPr marL="3657600" indent="0">
+              <a:buNone/>
+              <a:defRPr sz="1000"/>
+            </a:lvl9pPr>
+          </a:lstStyle>
+          <a:p>
+            <a:pPr lvl="0"/>
+            <a:r>
+              <a:rPr lang="en-US" smtClean="0"/>
+              <a:t>Click to edit Master text styles</a:t>
+            </a:r>
+          </a:p>
+        </p:txBody>
+      </p:sp>
+      <p:sp>
+        <p:nvSpPr>
+          <p:cNvPr id="5" name="Date Placeholder 4"/>
+          <p:cNvSpPr>
+            <a:spLocks noGrp="1"/>
+          </p:cNvSpPr>
+          <p:nvPr>
+            <p:ph type="dt" sz="half" idx="10"/>
+          </p:nvPr>
+        </p:nvSpPr>
+        <p:spPr/>
+        <p:txBody>
+          <a:bodyPr/>
+          <a:lstStyle/>
+          <a:p>
+            <a:fld id="{C8A9F8E6-4BC3-4202-8597-429C04A5B1F9}" type="datetimeFigureOut">
+              <a:rPr lang="en-US" smtClean="0"/>
+              <a:t>5/19/2015</a:t>
+            </a:fld>
+            <a:endParaRPr lang="en-US"/>
+          </a:p>
+        </p:txBody>
+      </p:sp>
+      <p:sp>
+        <p:nvSpPr>
+          <p:cNvPr id="6" name="Footer Placeholder 5"/>
+          <p:cNvSpPr>
+            <a:spLocks noGrp="1"/>
+          </p:cNvSpPr>
+          <p:nvPr>
+            <p:ph type="ftr" sz="quarter" idx="11"/>
+          </p:nvPr>
+        </p:nvSpPr>
+        <p:spPr/>
+        <p:txBody>
+          <a:bodyPr/>
+          <a:lstStyle/>
+          <a:p>
+            <a:endParaRPr lang="en-US"/>
+          </a:p>
+        </p:txBody>
+      </p:sp>
+      <p:sp>
+        <p:nvSpPr>
+          <p:cNvPr id="7" name="Slide Number Placeholder 6"/>
+          <p:cNvSpPr>
+            <a:spLocks noGrp="1"/>
+          </p:cNvSpPr>
+          <p:nvPr>
+            <p:ph type="sldNum" sz="quarter" idx="12"/>
+          </p:nvPr>
+        </p:nvSpPr>
+        <p:spPr/>
+        <p:txBody>
+          <a:bodyPr/>
+          <a:lstStyle/>
+          <a:p>
+            <a:fld id="{C01F2AEF-5F40-4DB4-9E0D-8EEE1B8C1150}" type="slidenum">
+              <a:rPr lang="en-US" smtClean="0"/>
+              <a:t>‹#›</a:t>
+            </a:fld>
+            <a:endParaRPr lang="en-US"/>
+          </a:p>
+        </p:txBody>
+      </p:sp>
+    </p:spTree>
+    <p:extLst>
+      <p:ext uri="{BB962C8B-B14F-4D97-AF65-F5344CB8AC3E}">
+        <p14:creationId xmlns:p14="http://schemas.microsoft.com/office/powerpoint/2010/main" val="2743341430"/>
+      </p:ext>
+    </p:extLst>
+  </p:cSld>
+  <p:clrMapOvr>
+    <a:masterClrMapping/>
+  </p:clrMapOvr>
+</p:sldLayout>
+</file>
+
+<file path=ppt/slideLayouts/slideLayout11.xml><?xml version="1.0" encoding="utf-8"?>
+<p:sldLayout xmlns:a="http://schemas.openxmlformats.org/drawingml/2006/main" xmlns:r="http://schemas.openxmlformats.org/officeDocument/2006/relationships" xmlns:p="http://schemas.openxmlformats.org/presentationml/2006/main" type="picTx" preserve="1">
+  <p:cSld name="Picture with Caption">
+    <p:spTree>
+      <p:nvGrpSpPr>
+        <p:cNvPr id="1" name=""/>
+        <p:cNvGrpSpPr/>
+        <p:nvPr/>
+      </p:nvGrpSpPr>
+      <p:grpSpPr>
+        <a:xfrm>
+          <a:off x="0" y="0"/>
+          <a:ext cx="0" cy="0"/>
+          <a:chOff x="0" y="0"/>
+          <a:chExt cx="0" cy="0"/>
+        </a:xfrm>
+      </p:grpSpPr>
+      <p:sp>
+        <p:nvSpPr>
+          <p:cNvPr id="2" name="Title 1"/>
+          <p:cNvSpPr>
+            <a:spLocks noGrp="1"/>
+          </p:cNvSpPr>
+          <p:nvPr>
+            <p:ph type="title"/>
+          </p:nvPr>
+        </p:nvSpPr>
+        <p:spPr>
+          <a:xfrm>
+            <a:off x="839788" y="457200"/>
+            <a:ext cx="3932237" cy="1600200"/>
+          </a:xfrm>
+        </p:spPr>
+        <p:txBody>
+          <a:bodyPr anchor="b"/>
+          <a:lstStyle>
+            <a:lvl1pPr>
+              <a:defRPr sz="3200"/>
+            </a:lvl1pPr>
+          </a:lstStyle>
+          <a:p>
+            <a:r>
+              <a:rPr lang="en-US" smtClean="0"/>
+              <a:t>Click to edit Master title style</a:t>
+            </a:r>
+            <a:endParaRPr lang="en-US"/>
+          </a:p>
+        </p:txBody>
+      </p:sp>
+      <p:sp>
+        <p:nvSpPr>
+          <p:cNvPr id="3" name="Picture Placeholder 2"/>
+          <p:cNvSpPr>
+            <a:spLocks noGrp="1"/>
+          </p:cNvSpPr>
+          <p:nvPr>
+            <p:ph type="pic" idx="1"/>
+          </p:nvPr>
+        </p:nvSpPr>
+        <p:spPr>
+          <a:xfrm>
+            <a:off x="5183188" y="987425"/>
+            <a:ext cx="6172200" cy="4873625"/>
+          </a:xfrm>
+        </p:spPr>
+        <p:txBody>
+          <a:bodyPr/>
+          <a:lstStyle>
+            <a:lvl1pPr marL="0" indent="0">
+              <a:buNone/>
+              <a:defRPr sz="3200"/>
+            </a:lvl1pPr>
+            <a:lvl2pPr marL="457200" indent="0">
+              <a:buNone/>
+              <a:defRPr sz="2800"/>
+            </a:lvl2pPr>
+            <a:lvl3pPr marL="914400" indent="0">
+              <a:buNone/>
+              <a:defRPr sz="2400"/>
+            </a:lvl3pPr>
+            <a:lvl4pPr marL="1371600" indent="0">
+              <a:buNone/>
+              <a:defRPr sz="2000"/>
+            </a:lvl4pPr>
+            <a:lvl5pPr marL="1828800" indent="0">
+              <a:buNone/>
+              <a:defRPr sz="2000"/>
+            </a:lvl5pPr>
+            <a:lvl6pPr marL="2286000" indent="0">
+              <a:buNone/>
+              <a:defRPr sz="2000"/>
+            </a:lvl6pPr>
+            <a:lvl7pPr marL="2743200" indent="0">
+              <a:buNone/>
+              <a:defRPr sz="2000"/>
+            </a:lvl7pPr>
+            <a:lvl8pPr marL="3200400" indent="0">
+              <a:buNone/>
+              <a:defRPr sz="2000"/>
+            </a:lvl8pPr>
+            <a:lvl9pPr marL="3657600" indent="0">
+              <a:buNone/>
+              <a:defRPr sz="2000"/>
+            </a:lvl9pPr>
+          </a:lstStyle>
+          <a:p>
+            <a:endParaRPr lang="en-US"/>
+          </a:p>
+        </p:txBody>
+      </p:sp>
+      <p:sp>
+        <p:nvSpPr>
+          <p:cNvPr id="4" name="Text Placeholder 3"/>
+          <p:cNvSpPr>
+            <a:spLocks noGrp="1"/>
+          </p:cNvSpPr>
+          <p:nvPr>
+            <p:ph type="body" sz="half" idx="2"/>
+          </p:nvPr>
+        </p:nvSpPr>
+        <p:spPr>
+          <a:xfrm>
+            <a:off x="839788" y="2057400"/>
+            <a:ext cx="3932237" cy="3811588"/>
+          </a:xfrm>
+        </p:spPr>
+        <p:txBody>
+          <a:bodyPr/>
+          <a:lstStyle>
+            <a:lvl1pPr marL="0" indent="0">
+              <a:buNone/>
+              <a:defRPr sz="1600"/>
+            </a:lvl1pPr>
+            <a:lvl2pPr marL="457200" indent="0">
+              <a:buNone/>
+              <a:defRPr sz="1400"/>
+            </a:lvl2pPr>
+            <a:lvl3pPr marL="914400" indent="0">
+              <a:buNone/>
+              <a:defRPr sz="1200"/>
+            </a:lvl3pPr>
+            <a:lvl4pPr marL="1371600" indent="0">
+              <a:buNone/>
+              <a:defRPr sz="1000"/>
+            </a:lvl4pPr>
+            <a:lvl5pPr marL="1828800" indent="0">
+              <a:buNone/>
+              <a:defRPr sz="1000"/>
+            </a:lvl5pPr>
+            <a:lvl6pPr marL="2286000" indent="0">
+              <a:buNone/>
+              <a:defRPr sz="1000"/>
+            </a:lvl6pPr>
+            <a:lvl7pPr marL="2743200" indent="0">
+              <a:buNone/>
+              <a:defRPr sz="1000"/>
+            </a:lvl7pPr>
+            <a:lvl8pPr marL="3200400" indent="0">
+              <a:buNone/>
+              <a:defRPr sz="1000"/>
+            </a:lvl8pPr>
+            <a:lvl9pPr marL="3657600" indent="0">
+              <a:buNone/>
+              <a:defRPr sz="1000"/>
+            </a:lvl9pPr>
+          </a:lstStyle>
+          <a:p>
+            <a:pPr lvl="0"/>
+            <a:r>
+              <a:rPr lang="en-US" smtClean="0"/>
+              <a:t>Click to edit Master text styles</a:t>
+            </a:r>
+          </a:p>
+        </p:txBody>
+      </p:sp>
+      <p:sp>
+        <p:nvSpPr>
+          <p:cNvPr id="5" name="Date Placeholder 4"/>
+          <p:cNvSpPr>
+            <a:spLocks noGrp="1"/>
+          </p:cNvSpPr>
+          <p:nvPr>
+            <p:ph type="dt" sz="half" idx="10"/>
+          </p:nvPr>
+        </p:nvSpPr>
+        <p:spPr/>
+        <p:txBody>
+          <a:bodyPr/>
+          <a:lstStyle/>
+          <a:p>
+            <a:fld id="{C8A9F8E6-4BC3-4202-8597-429C04A5B1F9}" type="datetimeFigureOut">
+              <a:rPr lang="en-US" smtClean="0"/>
+              <a:t>5/19/2015</a:t>
+            </a:fld>
+            <a:endParaRPr lang="en-US"/>
+          </a:p>
+        </p:txBody>
+      </p:sp>
+      <p:sp>
+        <p:nvSpPr>
+          <p:cNvPr id="6" name="Footer Placeholder 5"/>
+          <p:cNvSpPr>
+            <a:spLocks noGrp="1"/>
+          </p:cNvSpPr>
+          <p:nvPr>
+            <p:ph type="ftr" sz="quarter" idx="11"/>
+          </p:nvPr>
+        </p:nvSpPr>
+        <p:spPr/>
+        <p:txBody>
+          <a:bodyPr/>
+          <a:lstStyle/>
+          <a:p>
+            <a:endParaRPr lang="en-US"/>
+          </a:p>
+        </p:txBody>
+      </p:sp>
+      <p:sp>
+        <p:nvSpPr>
+          <p:cNvPr id="7" name="Slide Number Placeholder 6"/>
+          <p:cNvSpPr>
+            <a:spLocks noGrp="1"/>
+          </p:cNvSpPr>
+          <p:nvPr>
+            <p:ph type="sldNum" sz="quarter" idx="12"/>
+          </p:nvPr>
+        </p:nvSpPr>
+        <p:spPr/>
+        <p:txBody>
+          <a:bodyPr/>
+          <a:lstStyle/>
+          <a:p>
+            <a:fld id="{C01F2AEF-5F40-4DB4-9E0D-8EEE1B8C1150}" type="slidenum">
+              <a:rPr lang="en-US" smtClean="0"/>
+              <a:t>‹#›</a:t>
+            </a:fld>
+            <a:endParaRPr lang="en-US"/>
+          </a:p>
+        </p:txBody>
+      </p:sp>
+    </p:spTree>
+    <p:extLst>
+      <p:ext uri="{BB962C8B-B14F-4D97-AF65-F5344CB8AC3E}">
+        <p14:creationId xmlns:p14="http://schemas.microsoft.com/office/powerpoint/2010/main" val="2190140718"/>
+      </p:ext>
+    </p:extLst>
+  </p:cSld>
+  <p:clrMapOvr>
+    <a:masterClrMapping/>
+  </p:clrMapOvr>
+</p:sldLayout>
+</file>
+
+<file path=ppt/slideLayouts/slideLayout12.xml><?xml version="1.0" encoding="utf-8"?>
 <p:sldLayout xmlns:a="http://schemas.openxmlformats.org/drawingml/2006/main" xmlns:r="http://schemas.openxmlformats.org/officeDocument/2006/relationships" xmlns:p="http://schemas.openxmlformats.org/presentationml/2006/main" type="vertTx" preserve="1">
   <p:cSld name="Title and Vertical Text">
     <p:spTree>
@@ -474,7 +1009,7 @@
 </p:sldLayout>
 </file>
 
-<file path=ppt/slideLayouts/slideLayout11.xml><?xml version="1.0" encoding="utf-8"?>
+<file path=ppt/slideLayouts/slideLayout13.xml><?xml version="1.0" encoding="utf-8"?>
 <p:sldLayout xmlns:a="http://schemas.openxmlformats.org/drawingml/2006/main" xmlns:r="http://schemas.openxmlformats.org/officeDocument/2006/relationships" xmlns:p="http://schemas.openxmlformats.org/presentationml/2006/main" type="vertTitleAndTx" preserve="1">
   <p:cSld name="Vertical Title and Text">
     <p:spTree>
@@ -681,16 +1216,27 @@
             <p:ph type="title"/>
           </p:nvPr>
         </p:nvSpPr>
-        <p:spPr/>
-        <p:txBody>
-          <a:bodyPr/>
-          <a:lstStyle/>
-          <a:p>
-            <a:r>
-              <a:rPr lang="en-US" smtClean="0"/>
+        <p:spPr>
+          <a:xfrm>
+            <a:off x="838200" y="365126"/>
+            <a:ext cx="7772400" cy="877888"/>
+          </a:xfrm>
+        </p:spPr>
+        <p:txBody>
+          <a:bodyPr anchor="t">
+            <a:normAutofit/>
+          </a:bodyPr>
+          <a:lstStyle>
+            <a:lvl1pPr>
+              <a:defRPr sz="4000"/>
+            </a:lvl1pPr>
+          </a:lstStyle>
+          <a:p>
+            <a:r>
+              <a:rPr lang="en-US" dirty="0" smtClean="0"/>
               <a:t>Click to edit Master title style</a:t>
             </a:r>
-            <a:endParaRPr lang="en-US"/>
+            <a:endParaRPr lang="en-US" dirty="0"/>
           </a:p>
         </p:txBody>
       </p:sp>
@@ -704,45 +1250,50 @@
             <p:ph idx="1"/>
           </p:nvPr>
         </p:nvSpPr>
-        <p:spPr/>
+        <p:spPr>
+          <a:xfrm>
+            <a:off x="838200" y="1571625"/>
+            <a:ext cx="7772400" cy="4605338"/>
+          </a:xfrm>
+        </p:spPr>
         <p:txBody>
           <a:bodyPr/>
           <a:lstStyle/>
           <a:p>
             <a:pPr lvl="0"/>
             <a:r>
-              <a:rPr lang="en-US" smtClean="0"/>
+              <a:rPr lang="en-US" dirty="0" smtClean="0"/>
               <a:t>Click to edit Master text styles</a:t>
             </a:r>
           </a:p>
           <a:p>
             <a:pPr lvl="1"/>
             <a:r>
-              <a:rPr lang="en-US" smtClean="0"/>
+              <a:rPr lang="en-US" dirty="0" smtClean="0"/>
               <a:t>Second level</a:t>
             </a:r>
           </a:p>
           <a:p>
             <a:pPr lvl="2"/>
             <a:r>
-              <a:rPr lang="en-US" smtClean="0"/>
+              <a:rPr lang="en-US" dirty="0" smtClean="0"/>
               <a:t>Third level</a:t>
             </a:r>
           </a:p>
           <a:p>
             <a:pPr lvl="3"/>
             <a:r>
-              <a:rPr lang="en-US" smtClean="0"/>
+              <a:rPr lang="en-US" dirty="0" smtClean="0"/>
               <a:t>Fourth level</a:t>
             </a:r>
           </a:p>
           <a:p>
             <a:pPr lvl="4"/>
             <a:r>
-              <a:rPr lang="en-US" smtClean="0"/>
+              <a:rPr lang="en-US" dirty="0" smtClean="0"/>
               <a:t>Fifth level</a:t>
             </a:r>
-            <a:endParaRPr lang="en-US"/>
+            <a:endParaRPr lang="en-US" dirty="0"/>
           </a:p>
         </p:txBody>
       </p:sp>
@@ -1303,6 +1854,238 @@
 </file>
 
 <file path=ppt/slideLayouts/slideLayout5.xml><?xml version="1.0" encoding="utf-8"?>
+<p:sldLayout xmlns:a="http://schemas.openxmlformats.org/drawingml/2006/main" xmlns:r="http://schemas.openxmlformats.org/officeDocument/2006/relationships" xmlns:p="http://schemas.openxmlformats.org/presentationml/2006/main" type="twoObj" preserve="1">
+  <p:cSld name="1_Two Content">
+    <p:spTree>
+      <p:nvGrpSpPr>
+        <p:cNvPr id="1" name=""/>
+        <p:cNvGrpSpPr/>
+        <p:nvPr/>
+      </p:nvGrpSpPr>
+      <p:grpSpPr>
+        <a:xfrm>
+          <a:off x="0" y="0"/>
+          <a:ext cx="0" cy="0"/>
+          <a:chOff x="0" y="0"/>
+          <a:chExt cx="0" cy="0"/>
+        </a:xfrm>
+      </p:grpSpPr>
+      <p:sp>
+        <p:nvSpPr>
+          <p:cNvPr id="2" name="Title 1"/>
+          <p:cNvSpPr>
+            <a:spLocks noGrp="1"/>
+          </p:cNvSpPr>
+          <p:nvPr>
+            <p:ph type="title"/>
+          </p:nvPr>
+        </p:nvSpPr>
+        <p:spPr/>
+        <p:txBody>
+          <a:bodyPr/>
+          <a:lstStyle/>
+          <a:p>
+            <a:r>
+              <a:rPr lang="en-US" smtClean="0"/>
+              <a:t>Click to edit Master title style</a:t>
+            </a:r>
+            <a:endParaRPr lang="en-US"/>
+          </a:p>
+        </p:txBody>
+      </p:sp>
+      <p:sp>
+        <p:nvSpPr>
+          <p:cNvPr id="3" name="Content Placeholder 2"/>
+          <p:cNvSpPr>
+            <a:spLocks noGrp="1"/>
+          </p:cNvSpPr>
+          <p:nvPr>
+            <p:ph sz="half" idx="1"/>
+          </p:nvPr>
+        </p:nvSpPr>
+        <p:spPr>
+          <a:xfrm>
+            <a:off x="838200" y="1825625"/>
+            <a:ext cx="5181600" cy="4351338"/>
+          </a:xfrm>
+        </p:spPr>
+        <p:txBody>
+          <a:bodyPr/>
+          <a:lstStyle/>
+          <a:p>
+            <a:pPr lvl="0"/>
+            <a:r>
+              <a:rPr lang="en-US" smtClean="0"/>
+              <a:t>Click to edit Master text styles</a:t>
+            </a:r>
+          </a:p>
+          <a:p>
+            <a:pPr lvl="1"/>
+            <a:r>
+              <a:rPr lang="en-US" smtClean="0"/>
+              <a:t>Second level</a:t>
+            </a:r>
+          </a:p>
+          <a:p>
+            <a:pPr lvl="2"/>
+            <a:r>
+              <a:rPr lang="en-US" smtClean="0"/>
+              <a:t>Third level</a:t>
+            </a:r>
+          </a:p>
+          <a:p>
+            <a:pPr lvl="3"/>
+            <a:r>
+              <a:rPr lang="en-US" smtClean="0"/>
+              <a:t>Fourth level</a:t>
+            </a:r>
+          </a:p>
+          <a:p>
+            <a:pPr lvl="4"/>
+            <a:r>
+              <a:rPr lang="en-US" smtClean="0"/>
+              <a:t>Fifth level</a:t>
+            </a:r>
+            <a:endParaRPr lang="en-US"/>
+          </a:p>
+        </p:txBody>
+      </p:sp>
+      <p:sp>
+        <p:nvSpPr>
+          <p:cNvPr id="4" name="Content Placeholder 3"/>
+          <p:cNvSpPr>
+            <a:spLocks noGrp="1"/>
+          </p:cNvSpPr>
+          <p:nvPr>
+            <p:ph sz="half" idx="2"/>
+          </p:nvPr>
+        </p:nvSpPr>
+        <p:spPr>
+          <a:xfrm>
+            <a:off x="6172200" y="1825625"/>
+            <a:ext cx="5181600" cy="4351338"/>
+          </a:xfrm>
+        </p:spPr>
+        <p:txBody>
+          <a:bodyPr/>
+          <a:lstStyle/>
+          <a:p>
+            <a:pPr lvl="0"/>
+            <a:r>
+              <a:rPr lang="en-US" dirty="0" smtClean="0"/>
+              <a:t>Click to edit Master text styles</a:t>
+            </a:r>
+          </a:p>
+          <a:p>
+            <a:pPr lvl="1"/>
+            <a:r>
+              <a:rPr lang="en-US" dirty="0" smtClean="0"/>
+              <a:t>Second level</a:t>
+            </a:r>
+          </a:p>
+          <a:p>
+            <a:pPr lvl="2"/>
+            <a:r>
+              <a:rPr lang="en-US" dirty="0" smtClean="0"/>
+              <a:t>Third level</a:t>
+            </a:r>
+          </a:p>
+          <a:p>
+            <a:pPr lvl="3"/>
+            <a:r>
+              <a:rPr lang="en-US" dirty="0" smtClean="0"/>
+              <a:t>Fourth level</a:t>
+            </a:r>
+          </a:p>
+          <a:p>
+            <a:pPr lvl="4"/>
+            <a:r>
+              <a:rPr lang="en-US" dirty="0" smtClean="0"/>
+              <a:t>Fifth level</a:t>
+            </a:r>
+            <a:endParaRPr lang="en-US" dirty="0"/>
+          </a:p>
+        </p:txBody>
+      </p:sp>
+      <p:sp>
+        <p:nvSpPr>
+          <p:cNvPr id="5" name="Date Placeholder 4"/>
+          <p:cNvSpPr>
+            <a:spLocks noGrp="1"/>
+          </p:cNvSpPr>
+          <p:nvPr>
+            <p:ph type="dt" sz="half" idx="10"/>
+          </p:nvPr>
+        </p:nvSpPr>
+        <p:spPr/>
+        <p:txBody>
+          <a:bodyPr/>
+          <a:lstStyle/>
+          <a:p>
+            <a:fld id="{C8A9F8E6-4BC3-4202-8597-429C04A5B1F9}" type="datetimeFigureOut">
+              <a:rPr lang="en-US" smtClean="0"/>
+              <a:t>5/19/2015</a:t>
+            </a:fld>
+            <a:endParaRPr lang="en-US"/>
+          </a:p>
+        </p:txBody>
+      </p:sp>
+      <p:sp>
+        <p:nvSpPr>
+          <p:cNvPr id="6" name="Footer Placeholder 5"/>
+          <p:cNvSpPr>
+            <a:spLocks noGrp="1"/>
+          </p:cNvSpPr>
+          <p:nvPr>
+            <p:ph type="ftr" sz="quarter" idx="11"/>
+          </p:nvPr>
+        </p:nvSpPr>
+        <p:spPr/>
+        <p:txBody>
+          <a:bodyPr/>
+          <a:lstStyle/>
+          <a:p>
+            <a:endParaRPr lang="en-US"/>
+          </a:p>
+        </p:txBody>
+      </p:sp>
+      <p:sp>
+        <p:nvSpPr>
+          <p:cNvPr id="7" name="Slide Number Placeholder 6"/>
+          <p:cNvSpPr>
+            <a:spLocks noGrp="1"/>
+          </p:cNvSpPr>
+          <p:nvPr>
+            <p:ph type="sldNum" sz="quarter" idx="12"/>
+          </p:nvPr>
+        </p:nvSpPr>
+        <p:spPr/>
+        <p:txBody>
+          <a:bodyPr/>
+          <a:lstStyle/>
+          <a:p>
+            <a:fld id="{C01F2AEF-5F40-4DB4-9E0D-8EEE1B8C1150}" type="slidenum">
+              <a:rPr lang="en-US" smtClean="0"/>
+              <a:t>‹#›</a:t>
+            </a:fld>
+            <a:endParaRPr lang="en-US"/>
+          </a:p>
+        </p:txBody>
+      </p:sp>
+    </p:spTree>
+    <p:extLst>
+      <p:ext uri="{BB962C8B-B14F-4D97-AF65-F5344CB8AC3E}">
+        <p14:creationId xmlns:p14="http://schemas.microsoft.com/office/powerpoint/2010/main" val="3239691698"/>
+      </p:ext>
+    </p:extLst>
+  </p:cSld>
+  <p:clrMapOvr>
+    <a:masterClrMapping/>
+  </p:clrMapOvr>
+</p:sldLayout>
+</file>
+
+<file path=ppt/slideLayouts/slideLayout6.xml><?xml version="1.0" encoding="utf-8"?>
 <p:sldLayout xmlns:a="http://schemas.openxmlformats.org/drawingml/2006/main" xmlns:r="http://schemas.openxmlformats.org/officeDocument/2006/relationships" xmlns:p="http://schemas.openxmlformats.org/presentationml/2006/main" type="twoTxTwoObj" preserve="1">
   <p:cSld name="Comparison">
     <p:spTree>
@@ -1434,38 +2217,38 @@
           <a:p>
             <a:pPr lvl="0"/>
             <a:r>
-              <a:rPr lang="en-US" smtClean="0"/>
+              <a:rPr lang="en-US" dirty="0" smtClean="0"/>
               <a:t>Click to edit Master text styles</a:t>
             </a:r>
           </a:p>
           <a:p>
             <a:pPr lvl="1"/>
             <a:r>
-              <a:rPr lang="en-US" smtClean="0"/>
+              <a:rPr lang="en-US" dirty="0" smtClean="0"/>
               <a:t>Second level</a:t>
             </a:r>
           </a:p>
           <a:p>
             <a:pPr lvl="2"/>
             <a:r>
-              <a:rPr lang="en-US" smtClean="0"/>
+              <a:rPr lang="en-US" dirty="0" smtClean="0"/>
               <a:t>Third level</a:t>
             </a:r>
           </a:p>
           <a:p>
             <a:pPr lvl="3"/>
             <a:r>
-              <a:rPr lang="en-US" smtClean="0"/>
+              <a:rPr lang="en-US" dirty="0" smtClean="0"/>
               <a:t>Fourth level</a:t>
             </a:r>
           </a:p>
           <a:p>
             <a:pPr lvl="4"/>
             <a:r>
-              <a:rPr lang="en-US" smtClean="0"/>
+              <a:rPr lang="en-US" dirty="0" smtClean="0"/>
               <a:t>Fifth level</a:t>
             </a:r>
-            <a:endParaRPr lang="en-US"/>
+            <a:endParaRPr lang="en-US" dirty="0"/>
           </a:p>
         </p:txBody>
       </p:sp>
@@ -1669,7 +2452,496 @@
 </p:sldLayout>
 </file>
 
-<file path=ppt/slideLayouts/slideLayout6.xml><?xml version="1.0" encoding="utf-8"?>
+<file path=ppt/slideLayouts/slideLayout7.xml><?xml version="1.0" encoding="utf-8"?>
+<p:sldLayout xmlns:a="http://schemas.openxmlformats.org/drawingml/2006/main" xmlns:r="http://schemas.openxmlformats.org/officeDocument/2006/relationships" xmlns:p="http://schemas.openxmlformats.org/presentationml/2006/main" preserve="1" userDrawn="1">
+  <p:cSld name="1_Comparison">
+    <p:spTree>
+      <p:nvGrpSpPr>
+        <p:cNvPr id="1" name=""/>
+        <p:cNvGrpSpPr/>
+        <p:nvPr/>
+      </p:nvGrpSpPr>
+      <p:grpSpPr>
+        <a:xfrm>
+          <a:off x="0" y="0"/>
+          <a:ext cx="0" cy="0"/>
+          <a:chOff x="0" y="0"/>
+          <a:chExt cx="0" cy="0"/>
+        </a:xfrm>
+      </p:grpSpPr>
+      <p:sp>
+        <p:nvSpPr>
+          <p:cNvPr id="2" name="Title 1"/>
+          <p:cNvSpPr>
+            <a:spLocks noGrp="1"/>
+          </p:cNvSpPr>
+          <p:nvPr>
+            <p:ph type="title"/>
+          </p:nvPr>
+        </p:nvSpPr>
+        <p:spPr>
+          <a:xfrm>
+            <a:off x="839788" y="365125"/>
+            <a:ext cx="10515600" cy="1325563"/>
+          </a:xfrm>
+        </p:spPr>
+        <p:txBody>
+          <a:bodyPr/>
+          <a:lstStyle/>
+          <a:p>
+            <a:r>
+              <a:rPr lang="en-US" smtClean="0"/>
+              <a:t>Click to edit Master title style</a:t>
+            </a:r>
+            <a:endParaRPr lang="en-US"/>
+          </a:p>
+        </p:txBody>
+      </p:sp>
+      <p:sp>
+        <p:nvSpPr>
+          <p:cNvPr id="3" name="Text Placeholder 2"/>
+          <p:cNvSpPr>
+            <a:spLocks noGrp="1"/>
+          </p:cNvSpPr>
+          <p:nvPr>
+            <p:ph type="body" idx="1"/>
+          </p:nvPr>
+        </p:nvSpPr>
+        <p:spPr>
+          <a:xfrm>
+            <a:off x="839788" y="1681163"/>
+            <a:ext cx="3200400" cy="823912"/>
+          </a:xfrm>
+        </p:spPr>
+        <p:txBody>
+          <a:bodyPr anchor="b"/>
+          <a:lstStyle>
+            <a:lvl1pPr marL="0" indent="0">
+              <a:buNone/>
+              <a:defRPr sz="2400" b="1"/>
+            </a:lvl1pPr>
+            <a:lvl2pPr marL="457200" indent="0">
+              <a:buNone/>
+              <a:defRPr sz="2000" b="1"/>
+            </a:lvl2pPr>
+            <a:lvl3pPr marL="914400" indent="0">
+              <a:buNone/>
+              <a:defRPr sz="1800" b="1"/>
+            </a:lvl3pPr>
+            <a:lvl4pPr marL="1371600" indent="0">
+              <a:buNone/>
+              <a:defRPr sz="1600" b="1"/>
+            </a:lvl4pPr>
+            <a:lvl5pPr marL="1828800" indent="0">
+              <a:buNone/>
+              <a:defRPr sz="1600" b="1"/>
+            </a:lvl5pPr>
+            <a:lvl6pPr marL="2286000" indent="0">
+              <a:buNone/>
+              <a:defRPr sz="1600" b="1"/>
+            </a:lvl6pPr>
+            <a:lvl7pPr marL="2743200" indent="0">
+              <a:buNone/>
+              <a:defRPr sz="1600" b="1"/>
+            </a:lvl7pPr>
+            <a:lvl8pPr marL="3200400" indent="0">
+              <a:buNone/>
+              <a:defRPr sz="1600" b="1"/>
+            </a:lvl8pPr>
+            <a:lvl9pPr marL="3657600" indent="0">
+              <a:buNone/>
+              <a:defRPr sz="1600" b="1"/>
+            </a:lvl9pPr>
+          </a:lstStyle>
+          <a:p>
+            <a:pPr lvl="0"/>
+            <a:r>
+              <a:rPr lang="en-US" smtClean="0"/>
+              <a:t>Click to edit Master text styles</a:t>
+            </a:r>
+          </a:p>
+        </p:txBody>
+      </p:sp>
+      <p:sp>
+        <p:nvSpPr>
+          <p:cNvPr id="4" name="Content Placeholder 3"/>
+          <p:cNvSpPr>
+            <a:spLocks noGrp="1"/>
+          </p:cNvSpPr>
+          <p:nvPr>
+            <p:ph sz="half" idx="2"/>
+          </p:nvPr>
+        </p:nvSpPr>
+        <p:spPr>
+          <a:xfrm>
+            <a:off x="839788" y="2505075"/>
+            <a:ext cx="3200400" cy="3684588"/>
+          </a:xfrm>
+        </p:spPr>
+        <p:txBody>
+          <a:bodyPr/>
+          <a:lstStyle/>
+          <a:p>
+            <a:pPr lvl="0"/>
+            <a:r>
+              <a:rPr lang="en-US" dirty="0" smtClean="0"/>
+              <a:t>Click to edit Master text styles</a:t>
+            </a:r>
+          </a:p>
+          <a:p>
+            <a:pPr lvl="1"/>
+            <a:r>
+              <a:rPr lang="en-US" dirty="0" smtClean="0"/>
+              <a:t>Second level</a:t>
+            </a:r>
+          </a:p>
+          <a:p>
+            <a:pPr lvl="2"/>
+            <a:r>
+              <a:rPr lang="en-US" dirty="0" smtClean="0"/>
+              <a:t>Third level</a:t>
+            </a:r>
+          </a:p>
+          <a:p>
+            <a:pPr lvl="3"/>
+            <a:r>
+              <a:rPr lang="en-US" dirty="0" smtClean="0"/>
+              <a:t>Fourth level</a:t>
+            </a:r>
+          </a:p>
+          <a:p>
+            <a:pPr lvl="4"/>
+            <a:r>
+              <a:rPr lang="en-US" dirty="0" smtClean="0"/>
+              <a:t>Fifth level</a:t>
+            </a:r>
+            <a:endParaRPr lang="en-US" dirty="0"/>
+          </a:p>
+        </p:txBody>
+      </p:sp>
+      <p:sp>
+        <p:nvSpPr>
+          <p:cNvPr id="5" name="Text Placeholder 4"/>
+          <p:cNvSpPr>
+            <a:spLocks noGrp="1"/>
+          </p:cNvSpPr>
+          <p:nvPr>
+            <p:ph type="body" sz="quarter" idx="3"/>
+          </p:nvPr>
+        </p:nvSpPr>
+        <p:spPr>
+          <a:xfrm>
+            <a:off x="4496594" y="1681163"/>
+            <a:ext cx="3200400" cy="823912"/>
+          </a:xfrm>
+        </p:spPr>
+        <p:txBody>
+          <a:bodyPr anchor="b"/>
+          <a:lstStyle>
+            <a:lvl1pPr marL="0" indent="0">
+              <a:buNone/>
+              <a:defRPr sz="2400" b="1"/>
+            </a:lvl1pPr>
+            <a:lvl2pPr marL="457200" indent="0">
+              <a:buNone/>
+              <a:defRPr sz="2000" b="1"/>
+            </a:lvl2pPr>
+            <a:lvl3pPr marL="914400" indent="0">
+              <a:buNone/>
+              <a:defRPr sz="1800" b="1"/>
+            </a:lvl3pPr>
+            <a:lvl4pPr marL="1371600" indent="0">
+              <a:buNone/>
+              <a:defRPr sz="1600" b="1"/>
+            </a:lvl4pPr>
+            <a:lvl5pPr marL="1828800" indent="0">
+              <a:buNone/>
+              <a:defRPr sz="1600" b="1"/>
+            </a:lvl5pPr>
+            <a:lvl6pPr marL="2286000" indent="0">
+              <a:buNone/>
+              <a:defRPr sz="1600" b="1"/>
+            </a:lvl6pPr>
+            <a:lvl7pPr marL="2743200" indent="0">
+              <a:buNone/>
+              <a:defRPr sz="1600" b="1"/>
+            </a:lvl7pPr>
+            <a:lvl8pPr marL="3200400" indent="0">
+              <a:buNone/>
+              <a:defRPr sz="1600" b="1"/>
+            </a:lvl8pPr>
+            <a:lvl9pPr marL="3657600" indent="0">
+              <a:buNone/>
+              <a:defRPr sz="1600" b="1"/>
+            </a:lvl9pPr>
+          </a:lstStyle>
+          <a:p>
+            <a:pPr lvl="0"/>
+            <a:r>
+              <a:rPr lang="en-US" dirty="0" smtClean="0"/>
+              <a:t>Click to edit Master text styles</a:t>
+            </a:r>
+          </a:p>
+        </p:txBody>
+      </p:sp>
+      <p:sp>
+        <p:nvSpPr>
+          <p:cNvPr id="6" name="Content Placeholder 5"/>
+          <p:cNvSpPr>
+            <a:spLocks noGrp="1"/>
+          </p:cNvSpPr>
+          <p:nvPr>
+            <p:ph sz="quarter" idx="4"/>
+          </p:nvPr>
+        </p:nvSpPr>
+        <p:spPr>
+          <a:xfrm>
+            <a:off x="4496594" y="2505075"/>
+            <a:ext cx="3200400" cy="3684588"/>
+          </a:xfrm>
+        </p:spPr>
+        <p:txBody>
+          <a:bodyPr/>
+          <a:lstStyle/>
+          <a:p>
+            <a:pPr lvl="0"/>
+            <a:r>
+              <a:rPr lang="en-US" dirty="0" smtClean="0"/>
+              <a:t>Click to edit Master text styles</a:t>
+            </a:r>
+          </a:p>
+          <a:p>
+            <a:pPr lvl="1"/>
+            <a:r>
+              <a:rPr lang="en-US" dirty="0" smtClean="0"/>
+              <a:t>Second level</a:t>
+            </a:r>
+          </a:p>
+          <a:p>
+            <a:pPr lvl="2"/>
+            <a:r>
+              <a:rPr lang="en-US" dirty="0" smtClean="0"/>
+              <a:t>Third level</a:t>
+            </a:r>
+          </a:p>
+          <a:p>
+            <a:pPr lvl="3"/>
+            <a:r>
+              <a:rPr lang="en-US" dirty="0" smtClean="0"/>
+              <a:t>Fourth level</a:t>
+            </a:r>
+          </a:p>
+          <a:p>
+            <a:pPr lvl="4"/>
+            <a:r>
+              <a:rPr lang="en-US" dirty="0" smtClean="0"/>
+              <a:t>Fifth level</a:t>
+            </a:r>
+            <a:endParaRPr lang="en-US" dirty="0"/>
+          </a:p>
+        </p:txBody>
+      </p:sp>
+      <p:sp>
+        <p:nvSpPr>
+          <p:cNvPr id="7" name="Date Placeholder 6"/>
+          <p:cNvSpPr>
+            <a:spLocks noGrp="1"/>
+          </p:cNvSpPr>
+          <p:nvPr>
+            <p:ph type="dt" sz="half" idx="10"/>
+          </p:nvPr>
+        </p:nvSpPr>
+        <p:spPr/>
+        <p:txBody>
+          <a:bodyPr/>
+          <a:lstStyle/>
+          <a:p>
+            <a:fld id="{C8A9F8E6-4BC3-4202-8597-429C04A5B1F9}" type="datetimeFigureOut">
+              <a:rPr lang="en-US" smtClean="0"/>
+              <a:t>5/19/2015</a:t>
+            </a:fld>
+            <a:endParaRPr lang="en-US"/>
+          </a:p>
+        </p:txBody>
+      </p:sp>
+      <p:sp>
+        <p:nvSpPr>
+          <p:cNvPr id="8" name="Footer Placeholder 7"/>
+          <p:cNvSpPr>
+            <a:spLocks noGrp="1"/>
+          </p:cNvSpPr>
+          <p:nvPr>
+            <p:ph type="ftr" sz="quarter" idx="11"/>
+          </p:nvPr>
+        </p:nvSpPr>
+        <p:spPr/>
+        <p:txBody>
+          <a:bodyPr/>
+          <a:lstStyle/>
+          <a:p>
+            <a:endParaRPr lang="en-US"/>
+          </a:p>
+        </p:txBody>
+      </p:sp>
+      <p:sp>
+        <p:nvSpPr>
+          <p:cNvPr id="9" name="Slide Number Placeholder 8"/>
+          <p:cNvSpPr>
+            <a:spLocks noGrp="1"/>
+          </p:cNvSpPr>
+          <p:nvPr>
+            <p:ph type="sldNum" sz="quarter" idx="12"/>
+          </p:nvPr>
+        </p:nvSpPr>
+        <p:spPr/>
+        <p:txBody>
+          <a:bodyPr/>
+          <a:lstStyle/>
+          <a:p>
+            <a:fld id="{C01F2AEF-5F40-4DB4-9E0D-8EEE1B8C1150}" type="slidenum">
+              <a:rPr lang="en-US" smtClean="0"/>
+              <a:t>‹#›</a:t>
+            </a:fld>
+            <a:endParaRPr lang="en-US"/>
+          </a:p>
+        </p:txBody>
+      </p:sp>
+      <p:sp>
+        <p:nvSpPr>
+          <p:cNvPr id="10" name="Text Placeholder 4"/>
+          <p:cNvSpPr>
+            <a:spLocks noGrp="1"/>
+          </p:cNvSpPr>
+          <p:nvPr>
+            <p:ph type="body" sz="quarter" idx="13"/>
+          </p:nvPr>
+        </p:nvSpPr>
+        <p:spPr>
+          <a:xfrm>
+            <a:off x="8153400" y="1681163"/>
+            <a:ext cx="3200400" cy="823912"/>
+          </a:xfrm>
+        </p:spPr>
+        <p:txBody>
+          <a:bodyPr anchor="b"/>
+          <a:lstStyle>
+            <a:lvl1pPr marL="0" indent="0">
+              <a:buNone/>
+              <a:defRPr sz="2400" b="1"/>
+            </a:lvl1pPr>
+            <a:lvl2pPr marL="457200" indent="0">
+              <a:buNone/>
+              <a:defRPr sz="2000" b="1"/>
+            </a:lvl2pPr>
+            <a:lvl3pPr marL="914400" indent="0">
+              <a:buNone/>
+              <a:defRPr sz="1800" b="1"/>
+            </a:lvl3pPr>
+            <a:lvl4pPr marL="1371600" indent="0">
+              <a:buNone/>
+              <a:defRPr sz="1600" b="1"/>
+            </a:lvl4pPr>
+            <a:lvl5pPr marL="1828800" indent="0">
+              <a:buNone/>
+              <a:defRPr sz="1600" b="1"/>
+            </a:lvl5pPr>
+            <a:lvl6pPr marL="2286000" indent="0">
+              <a:buNone/>
+              <a:defRPr sz="1600" b="1"/>
+            </a:lvl6pPr>
+            <a:lvl7pPr marL="2743200" indent="0">
+              <a:buNone/>
+              <a:defRPr sz="1600" b="1"/>
+            </a:lvl7pPr>
+            <a:lvl8pPr marL="3200400" indent="0">
+              <a:buNone/>
+              <a:defRPr sz="1600" b="1"/>
+            </a:lvl8pPr>
+            <a:lvl9pPr marL="3657600" indent="0">
+              <a:buNone/>
+              <a:defRPr sz="1600" b="1"/>
+            </a:lvl9pPr>
+          </a:lstStyle>
+          <a:p>
+            <a:pPr lvl="0"/>
+            <a:r>
+              <a:rPr lang="en-US" dirty="0" smtClean="0"/>
+              <a:t>Click to edit Master text styles</a:t>
+            </a:r>
+          </a:p>
+        </p:txBody>
+      </p:sp>
+      <p:sp>
+        <p:nvSpPr>
+          <p:cNvPr id="11" name="Content Placeholder 5"/>
+          <p:cNvSpPr>
+            <a:spLocks noGrp="1"/>
+          </p:cNvSpPr>
+          <p:nvPr>
+            <p:ph sz="quarter" idx="14"/>
+          </p:nvPr>
+        </p:nvSpPr>
+        <p:spPr>
+          <a:xfrm>
+            <a:off x="8153400" y="2505075"/>
+            <a:ext cx="3200400" cy="3684588"/>
+          </a:xfrm>
+        </p:spPr>
+        <p:txBody>
+          <a:bodyPr/>
+          <a:lstStyle/>
+          <a:p>
+            <a:pPr lvl="0"/>
+            <a:r>
+              <a:rPr lang="en-US" dirty="0" smtClean="0"/>
+              <a:t>Click to edit Master text styles</a:t>
+            </a:r>
+          </a:p>
+          <a:p>
+            <a:pPr lvl="1"/>
+            <a:r>
+              <a:rPr lang="en-US" dirty="0" smtClean="0"/>
+              <a:t>Second level</a:t>
+            </a:r>
+          </a:p>
+          <a:p>
+            <a:pPr lvl="2"/>
+            <a:r>
+              <a:rPr lang="en-US" dirty="0" smtClean="0"/>
+              <a:t>Third level</a:t>
+            </a:r>
+          </a:p>
+          <a:p>
+            <a:pPr lvl="3"/>
+            <a:r>
+              <a:rPr lang="en-US" dirty="0" smtClean="0"/>
+              <a:t>Fourth level</a:t>
+            </a:r>
+          </a:p>
+          <a:p>
+            <a:pPr lvl="4"/>
+            <a:r>
+              <a:rPr lang="en-US" dirty="0" smtClean="0"/>
+              <a:t>Fifth level</a:t>
+            </a:r>
+            <a:endParaRPr lang="en-US" dirty="0"/>
+          </a:p>
+        </p:txBody>
+      </p:sp>
+    </p:spTree>
+    <p:extLst>
+      <p:ext uri="{BB962C8B-B14F-4D97-AF65-F5344CB8AC3E}">
+        <p14:creationId xmlns:p14="http://schemas.microsoft.com/office/powerpoint/2010/main" val="4247089608"/>
+      </p:ext>
+    </p:extLst>
+  </p:cSld>
+  <p:clrMapOvr>
+    <a:masterClrMapping/>
+  </p:clrMapOvr>
+</p:sldLayout>
+</file>
+
+<file path=ppt/slideLayouts/slideLayout8.xml><?xml version="1.0" encoding="utf-8"?>
 <p:sldLayout xmlns:a="http://schemas.openxmlformats.org/drawingml/2006/main" xmlns:r="http://schemas.openxmlformats.org/officeDocument/2006/relationships" xmlns:p="http://schemas.openxmlformats.org/presentationml/2006/main" type="titleOnly" preserve="1">
   <p:cSld name="Title Only">
     <p:spTree>
@@ -1787,7 +3059,7 @@
 </p:sldLayout>
 </file>
 
-<file path=ppt/slideLayouts/slideLayout7.xml><?xml version="1.0" encoding="utf-8"?>
+<file path=ppt/slideLayouts/slideLayout9.xml><?xml version="1.0" encoding="utf-8"?>
 <p:sldLayout xmlns:a="http://schemas.openxmlformats.org/drawingml/2006/main" xmlns:r="http://schemas.openxmlformats.org/officeDocument/2006/relationships" xmlns:p="http://schemas.openxmlformats.org/presentationml/2006/main" type="blank" preserve="1">
   <p:cSld name="Blank">
     <p:spTree>
@@ -1873,536 +3145,6 @@
     <p:extLst>
       <p:ext uri="{BB962C8B-B14F-4D97-AF65-F5344CB8AC3E}">
         <p14:creationId xmlns:p14="http://schemas.microsoft.com/office/powerpoint/2010/main" val="3455920184"/>
-      </p:ext>
-    </p:extLst>
-  </p:cSld>
-  <p:clrMapOvr>
-    <a:masterClrMapping/>
-  </p:clrMapOvr>
-</p:sldLayout>
-</file>
-
-<file path=ppt/slideLayouts/slideLayout8.xml><?xml version="1.0" encoding="utf-8"?>
-<p:sldLayout xmlns:a="http://schemas.openxmlformats.org/drawingml/2006/main" xmlns:r="http://schemas.openxmlformats.org/officeDocument/2006/relationships" xmlns:p="http://schemas.openxmlformats.org/presentationml/2006/main" type="objTx" preserve="1">
-  <p:cSld name="Content with Caption">
-    <p:spTree>
-      <p:nvGrpSpPr>
-        <p:cNvPr id="1" name=""/>
-        <p:cNvGrpSpPr/>
-        <p:nvPr/>
-      </p:nvGrpSpPr>
-      <p:grpSpPr>
-        <a:xfrm>
-          <a:off x="0" y="0"/>
-          <a:ext cx="0" cy="0"/>
-          <a:chOff x="0" y="0"/>
-          <a:chExt cx="0" cy="0"/>
-        </a:xfrm>
-      </p:grpSpPr>
-      <p:sp>
-        <p:nvSpPr>
-          <p:cNvPr id="2" name="Title 1"/>
-          <p:cNvSpPr>
-            <a:spLocks noGrp="1"/>
-          </p:cNvSpPr>
-          <p:nvPr>
-            <p:ph type="title"/>
-          </p:nvPr>
-        </p:nvSpPr>
-        <p:spPr>
-          <a:xfrm>
-            <a:off x="839788" y="457200"/>
-            <a:ext cx="3932237" cy="1600200"/>
-          </a:xfrm>
-        </p:spPr>
-        <p:txBody>
-          <a:bodyPr anchor="b"/>
-          <a:lstStyle>
-            <a:lvl1pPr>
-              <a:defRPr sz="3200"/>
-            </a:lvl1pPr>
-          </a:lstStyle>
-          <a:p>
-            <a:r>
-              <a:rPr lang="en-US" smtClean="0"/>
-              <a:t>Click to edit Master title style</a:t>
-            </a:r>
-            <a:endParaRPr lang="en-US"/>
-          </a:p>
-        </p:txBody>
-      </p:sp>
-      <p:sp>
-        <p:nvSpPr>
-          <p:cNvPr id="3" name="Content Placeholder 2"/>
-          <p:cNvSpPr>
-            <a:spLocks noGrp="1"/>
-          </p:cNvSpPr>
-          <p:nvPr>
-            <p:ph idx="1"/>
-          </p:nvPr>
-        </p:nvSpPr>
-        <p:spPr>
-          <a:xfrm>
-            <a:off x="5183188" y="987425"/>
-            <a:ext cx="6172200" cy="4873625"/>
-          </a:xfrm>
-        </p:spPr>
-        <p:txBody>
-          <a:bodyPr/>
-          <a:lstStyle>
-            <a:lvl1pPr>
-              <a:defRPr sz="3200"/>
-            </a:lvl1pPr>
-            <a:lvl2pPr>
-              <a:defRPr sz="2800"/>
-            </a:lvl2pPr>
-            <a:lvl3pPr>
-              <a:defRPr sz="2400"/>
-            </a:lvl3pPr>
-            <a:lvl4pPr>
-              <a:defRPr sz="2000"/>
-            </a:lvl4pPr>
-            <a:lvl5pPr>
-              <a:defRPr sz="2000"/>
-            </a:lvl5pPr>
-            <a:lvl6pPr>
-              <a:defRPr sz="2000"/>
-            </a:lvl6pPr>
-            <a:lvl7pPr>
-              <a:defRPr sz="2000"/>
-            </a:lvl7pPr>
-            <a:lvl8pPr>
-              <a:defRPr sz="2000"/>
-            </a:lvl8pPr>
-            <a:lvl9pPr>
-              <a:defRPr sz="2000"/>
-            </a:lvl9pPr>
-          </a:lstStyle>
-          <a:p>
-            <a:pPr lvl="0"/>
-            <a:r>
-              <a:rPr lang="en-US" smtClean="0"/>
-              <a:t>Click to edit Master text styles</a:t>
-            </a:r>
-          </a:p>
-          <a:p>
-            <a:pPr lvl="1"/>
-            <a:r>
-              <a:rPr lang="en-US" smtClean="0"/>
-              <a:t>Second level</a:t>
-            </a:r>
-          </a:p>
-          <a:p>
-            <a:pPr lvl="2"/>
-            <a:r>
-              <a:rPr lang="en-US" smtClean="0"/>
-              <a:t>Third level</a:t>
-            </a:r>
-          </a:p>
-          <a:p>
-            <a:pPr lvl="3"/>
-            <a:r>
-              <a:rPr lang="en-US" smtClean="0"/>
-              <a:t>Fourth level</a:t>
-            </a:r>
-          </a:p>
-          <a:p>
-            <a:pPr lvl="4"/>
-            <a:r>
-              <a:rPr lang="en-US" smtClean="0"/>
-              <a:t>Fifth level</a:t>
-            </a:r>
-            <a:endParaRPr lang="en-US"/>
-          </a:p>
-        </p:txBody>
-      </p:sp>
-      <p:sp>
-        <p:nvSpPr>
-          <p:cNvPr id="4" name="Text Placeholder 3"/>
-          <p:cNvSpPr>
-            <a:spLocks noGrp="1"/>
-          </p:cNvSpPr>
-          <p:nvPr>
-            <p:ph type="body" sz="half" idx="2"/>
-          </p:nvPr>
-        </p:nvSpPr>
-        <p:spPr>
-          <a:xfrm>
-            <a:off x="839788" y="2057400"/>
-            <a:ext cx="3932237" cy="3811588"/>
-          </a:xfrm>
-        </p:spPr>
-        <p:txBody>
-          <a:bodyPr/>
-          <a:lstStyle>
-            <a:lvl1pPr marL="0" indent="0">
-              <a:buNone/>
-              <a:defRPr sz="1600"/>
-            </a:lvl1pPr>
-            <a:lvl2pPr marL="457200" indent="0">
-              <a:buNone/>
-              <a:defRPr sz="1400"/>
-            </a:lvl2pPr>
-            <a:lvl3pPr marL="914400" indent="0">
-              <a:buNone/>
-              <a:defRPr sz="1200"/>
-            </a:lvl3pPr>
-            <a:lvl4pPr marL="1371600" indent="0">
-              <a:buNone/>
-              <a:defRPr sz="1000"/>
-            </a:lvl4pPr>
-            <a:lvl5pPr marL="1828800" indent="0">
-              <a:buNone/>
-              <a:defRPr sz="1000"/>
-            </a:lvl5pPr>
-            <a:lvl6pPr marL="2286000" indent="0">
-              <a:buNone/>
-              <a:defRPr sz="1000"/>
-            </a:lvl6pPr>
-            <a:lvl7pPr marL="2743200" indent="0">
-              <a:buNone/>
-              <a:defRPr sz="1000"/>
-            </a:lvl7pPr>
-            <a:lvl8pPr marL="3200400" indent="0">
-              <a:buNone/>
-              <a:defRPr sz="1000"/>
-            </a:lvl8pPr>
-            <a:lvl9pPr marL="3657600" indent="0">
-              <a:buNone/>
-              <a:defRPr sz="1000"/>
-            </a:lvl9pPr>
-          </a:lstStyle>
-          <a:p>
-            <a:pPr lvl="0"/>
-            <a:r>
-              <a:rPr lang="en-US" smtClean="0"/>
-              <a:t>Click to edit Master text styles</a:t>
-            </a:r>
-          </a:p>
-        </p:txBody>
-      </p:sp>
-      <p:sp>
-        <p:nvSpPr>
-          <p:cNvPr id="5" name="Date Placeholder 4"/>
-          <p:cNvSpPr>
-            <a:spLocks noGrp="1"/>
-          </p:cNvSpPr>
-          <p:nvPr>
-            <p:ph type="dt" sz="half" idx="10"/>
-          </p:nvPr>
-        </p:nvSpPr>
-        <p:spPr/>
-        <p:txBody>
-          <a:bodyPr/>
-          <a:lstStyle/>
-          <a:p>
-            <a:fld id="{C8A9F8E6-4BC3-4202-8597-429C04A5B1F9}" type="datetimeFigureOut">
-              <a:rPr lang="en-US" smtClean="0"/>
-              <a:t>5/19/2015</a:t>
-            </a:fld>
-            <a:endParaRPr lang="en-US"/>
-          </a:p>
-        </p:txBody>
-      </p:sp>
-      <p:sp>
-        <p:nvSpPr>
-          <p:cNvPr id="6" name="Footer Placeholder 5"/>
-          <p:cNvSpPr>
-            <a:spLocks noGrp="1"/>
-          </p:cNvSpPr>
-          <p:nvPr>
-            <p:ph type="ftr" sz="quarter" idx="11"/>
-          </p:nvPr>
-        </p:nvSpPr>
-        <p:spPr/>
-        <p:txBody>
-          <a:bodyPr/>
-          <a:lstStyle/>
-          <a:p>
-            <a:endParaRPr lang="en-US"/>
-          </a:p>
-        </p:txBody>
-      </p:sp>
-      <p:sp>
-        <p:nvSpPr>
-          <p:cNvPr id="7" name="Slide Number Placeholder 6"/>
-          <p:cNvSpPr>
-            <a:spLocks noGrp="1"/>
-          </p:cNvSpPr>
-          <p:nvPr>
-            <p:ph type="sldNum" sz="quarter" idx="12"/>
-          </p:nvPr>
-        </p:nvSpPr>
-        <p:spPr/>
-        <p:txBody>
-          <a:bodyPr/>
-          <a:lstStyle/>
-          <a:p>
-            <a:fld id="{C01F2AEF-5F40-4DB4-9E0D-8EEE1B8C1150}" type="slidenum">
-              <a:rPr lang="en-US" smtClean="0"/>
-              <a:t>‹#›</a:t>
-            </a:fld>
-            <a:endParaRPr lang="en-US"/>
-          </a:p>
-        </p:txBody>
-      </p:sp>
-    </p:spTree>
-    <p:extLst>
-      <p:ext uri="{BB962C8B-B14F-4D97-AF65-F5344CB8AC3E}">
-        <p14:creationId xmlns:p14="http://schemas.microsoft.com/office/powerpoint/2010/main" val="2743341430"/>
-      </p:ext>
-    </p:extLst>
-  </p:cSld>
-  <p:clrMapOvr>
-    <a:masterClrMapping/>
-  </p:clrMapOvr>
-</p:sldLayout>
-</file>
-
-<file path=ppt/slideLayouts/slideLayout9.xml><?xml version="1.0" encoding="utf-8"?>
-<p:sldLayout xmlns:a="http://schemas.openxmlformats.org/drawingml/2006/main" xmlns:r="http://schemas.openxmlformats.org/officeDocument/2006/relationships" xmlns:p="http://schemas.openxmlformats.org/presentationml/2006/main" type="picTx" preserve="1">
-  <p:cSld name="Picture with Caption">
-    <p:spTree>
-      <p:nvGrpSpPr>
-        <p:cNvPr id="1" name=""/>
-        <p:cNvGrpSpPr/>
-        <p:nvPr/>
-      </p:nvGrpSpPr>
-      <p:grpSpPr>
-        <a:xfrm>
-          <a:off x="0" y="0"/>
-          <a:ext cx="0" cy="0"/>
-          <a:chOff x="0" y="0"/>
-          <a:chExt cx="0" cy="0"/>
-        </a:xfrm>
-      </p:grpSpPr>
-      <p:sp>
-        <p:nvSpPr>
-          <p:cNvPr id="2" name="Title 1"/>
-          <p:cNvSpPr>
-            <a:spLocks noGrp="1"/>
-          </p:cNvSpPr>
-          <p:nvPr>
-            <p:ph type="title"/>
-          </p:nvPr>
-        </p:nvSpPr>
-        <p:spPr>
-          <a:xfrm>
-            <a:off x="839788" y="457200"/>
-            <a:ext cx="3932237" cy="1600200"/>
-          </a:xfrm>
-        </p:spPr>
-        <p:txBody>
-          <a:bodyPr anchor="b"/>
-          <a:lstStyle>
-            <a:lvl1pPr>
-              <a:defRPr sz="3200"/>
-            </a:lvl1pPr>
-          </a:lstStyle>
-          <a:p>
-            <a:r>
-              <a:rPr lang="en-US" smtClean="0"/>
-              <a:t>Click to edit Master title style</a:t>
-            </a:r>
-            <a:endParaRPr lang="en-US"/>
-          </a:p>
-        </p:txBody>
-      </p:sp>
-      <p:sp>
-        <p:nvSpPr>
-          <p:cNvPr id="3" name="Picture Placeholder 2"/>
-          <p:cNvSpPr>
-            <a:spLocks noGrp="1"/>
-          </p:cNvSpPr>
-          <p:nvPr>
-            <p:ph type="pic" idx="1"/>
-          </p:nvPr>
-        </p:nvSpPr>
-        <p:spPr>
-          <a:xfrm>
-            <a:off x="5183188" y="987425"/>
-            <a:ext cx="6172200" cy="4873625"/>
-          </a:xfrm>
-        </p:spPr>
-        <p:txBody>
-          <a:bodyPr/>
-          <a:lstStyle>
-            <a:lvl1pPr marL="0" indent="0">
-              <a:buNone/>
-              <a:defRPr sz="3200"/>
-            </a:lvl1pPr>
-            <a:lvl2pPr marL="457200" indent="0">
-              <a:buNone/>
-              <a:defRPr sz="2800"/>
-            </a:lvl2pPr>
-            <a:lvl3pPr marL="914400" indent="0">
-              <a:buNone/>
-              <a:defRPr sz="2400"/>
-            </a:lvl3pPr>
-            <a:lvl4pPr marL="1371600" indent="0">
-              <a:buNone/>
-              <a:defRPr sz="2000"/>
-            </a:lvl4pPr>
-            <a:lvl5pPr marL="1828800" indent="0">
-              <a:buNone/>
-              <a:defRPr sz="2000"/>
-            </a:lvl5pPr>
-            <a:lvl6pPr marL="2286000" indent="0">
-              <a:buNone/>
-              <a:defRPr sz="2000"/>
-            </a:lvl6pPr>
-            <a:lvl7pPr marL="2743200" indent="0">
-              <a:buNone/>
-              <a:defRPr sz="2000"/>
-            </a:lvl7pPr>
-            <a:lvl8pPr marL="3200400" indent="0">
-              <a:buNone/>
-              <a:defRPr sz="2000"/>
-            </a:lvl8pPr>
-            <a:lvl9pPr marL="3657600" indent="0">
-              <a:buNone/>
-              <a:defRPr sz="2000"/>
-            </a:lvl9pPr>
-          </a:lstStyle>
-          <a:p>
-            <a:endParaRPr lang="en-US"/>
-          </a:p>
-        </p:txBody>
-      </p:sp>
-      <p:sp>
-        <p:nvSpPr>
-          <p:cNvPr id="4" name="Text Placeholder 3"/>
-          <p:cNvSpPr>
-            <a:spLocks noGrp="1"/>
-          </p:cNvSpPr>
-          <p:nvPr>
-            <p:ph type="body" sz="half" idx="2"/>
-          </p:nvPr>
-        </p:nvSpPr>
-        <p:spPr>
-          <a:xfrm>
-            <a:off x="839788" y="2057400"/>
-            <a:ext cx="3932237" cy="3811588"/>
-          </a:xfrm>
-        </p:spPr>
-        <p:txBody>
-          <a:bodyPr/>
-          <a:lstStyle>
-            <a:lvl1pPr marL="0" indent="0">
-              <a:buNone/>
-              <a:defRPr sz="1600"/>
-            </a:lvl1pPr>
-            <a:lvl2pPr marL="457200" indent="0">
-              <a:buNone/>
-              <a:defRPr sz="1400"/>
-            </a:lvl2pPr>
-            <a:lvl3pPr marL="914400" indent="0">
-              <a:buNone/>
-              <a:defRPr sz="1200"/>
-            </a:lvl3pPr>
-            <a:lvl4pPr marL="1371600" indent="0">
-              <a:buNone/>
-              <a:defRPr sz="1000"/>
-            </a:lvl4pPr>
-            <a:lvl5pPr marL="1828800" indent="0">
-              <a:buNone/>
-              <a:defRPr sz="1000"/>
-            </a:lvl5pPr>
-            <a:lvl6pPr marL="2286000" indent="0">
-              <a:buNone/>
-              <a:defRPr sz="1000"/>
-            </a:lvl6pPr>
-            <a:lvl7pPr marL="2743200" indent="0">
-              <a:buNone/>
-              <a:defRPr sz="1000"/>
-            </a:lvl7pPr>
-            <a:lvl8pPr marL="3200400" indent="0">
-              <a:buNone/>
-              <a:defRPr sz="1000"/>
-            </a:lvl8pPr>
-            <a:lvl9pPr marL="3657600" indent="0">
-              <a:buNone/>
-              <a:defRPr sz="1000"/>
-            </a:lvl9pPr>
-          </a:lstStyle>
-          <a:p>
-            <a:pPr lvl="0"/>
-            <a:r>
-              <a:rPr lang="en-US" smtClean="0"/>
-              <a:t>Click to edit Master text styles</a:t>
-            </a:r>
-          </a:p>
-        </p:txBody>
-      </p:sp>
-      <p:sp>
-        <p:nvSpPr>
-          <p:cNvPr id="5" name="Date Placeholder 4"/>
-          <p:cNvSpPr>
-            <a:spLocks noGrp="1"/>
-          </p:cNvSpPr>
-          <p:nvPr>
-            <p:ph type="dt" sz="half" idx="10"/>
-          </p:nvPr>
-        </p:nvSpPr>
-        <p:spPr/>
-        <p:txBody>
-          <a:bodyPr/>
-          <a:lstStyle/>
-          <a:p>
-            <a:fld id="{C8A9F8E6-4BC3-4202-8597-429C04A5B1F9}" type="datetimeFigureOut">
-              <a:rPr lang="en-US" smtClean="0"/>
-              <a:t>5/19/2015</a:t>
-            </a:fld>
-            <a:endParaRPr lang="en-US"/>
-          </a:p>
-        </p:txBody>
-      </p:sp>
-      <p:sp>
-        <p:nvSpPr>
-          <p:cNvPr id="6" name="Footer Placeholder 5"/>
-          <p:cNvSpPr>
-            <a:spLocks noGrp="1"/>
-          </p:cNvSpPr>
-          <p:nvPr>
-            <p:ph type="ftr" sz="quarter" idx="11"/>
-          </p:nvPr>
-        </p:nvSpPr>
-        <p:spPr/>
-        <p:txBody>
-          <a:bodyPr/>
-          <a:lstStyle/>
-          <a:p>
-            <a:endParaRPr lang="en-US"/>
-          </a:p>
-        </p:txBody>
-      </p:sp>
-      <p:sp>
-        <p:nvSpPr>
-          <p:cNvPr id="7" name="Slide Number Placeholder 6"/>
-          <p:cNvSpPr>
-            <a:spLocks noGrp="1"/>
-          </p:cNvSpPr>
-          <p:nvPr>
-            <p:ph type="sldNum" sz="quarter" idx="12"/>
-          </p:nvPr>
-        </p:nvSpPr>
-        <p:spPr/>
-        <p:txBody>
-          <a:bodyPr/>
-          <a:lstStyle/>
-          <a:p>
-            <a:fld id="{C01F2AEF-5F40-4DB4-9E0D-8EEE1B8C1150}" type="slidenum">
-              <a:rPr lang="en-US" smtClean="0"/>
-              <a:t>‹#›</a:t>
-            </a:fld>
-            <a:endParaRPr lang="en-US"/>
-          </a:p>
-        </p:txBody>
-      </p:sp>
-    </p:spTree>
-    <p:extLst>
-      <p:ext uri="{BB962C8B-B14F-4D97-AF65-F5344CB8AC3E}">
-        <p14:creationId xmlns:p14="http://schemas.microsoft.com/office/powerpoint/2010/main" val="2190140718"/>
       </p:ext>
     </p:extLst>
   </p:cSld>
@@ -2661,13 +3403,15 @@
     <p:sldLayoutId id="2147483650" r:id="rId2"/>
     <p:sldLayoutId id="2147483651" r:id="rId3"/>
     <p:sldLayoutId id="2147483652" r:id="rId4"/>
-    <p:sldLayoutId id="2147483653" r:id="rId5"/>
-    <p:sldLayoutId id="2147483654" r:id="rId6"/>
-    <p:sldLayoutId id="2147483655" r:id="rId7"/>
-    <p:sldLayoutId id="2147483656" r:id="rId8"/>
-    <p:sldLayoutId id="2147483657" r:id="rId9"/>
-    <p:sldLayoutId id="2147483658" r:id="rId10"/>
-    <p:sldLayoutId id="2147483659" r:id="rId11"/>
+    <p:sldLayoutId id="2147483660" r:id="rId5"/>
+    <p:sldLayoutId id="2147483653" r:id="rId6"/>
+    <p:sldLayoutId id="2147483661" r:id="rId7"/>
+    <p:sldLayoutId id="2147483654" r:id="rId8"/>
+    <p:sldLayoutId id="2147483655" r:id="rId9"/>
+    <p:sldLayoutId id="2147483656" r:id="rId10"/>
+    <p:sldLayoutId id="2147483657" r:id="rId11"/>
+    <p:sldLayoutId id="2147483658" r:id="rId12"/>
+    <p:sldLayoutId id="2147483659" r:id="rId13"/>
   </p:sldLayoutIdLst>
   <p:txStyles>
     <p:titleStyle>
@@ -3087,58 +3831,117 @@
         </p:nvSpPr>
         <p:spPr/>
         <p:txBody>
-          <a:bodyPr/>
-          <a:lstStyle/>
-          <a:p>
-            <a:r>
-              <a:rPr lang="en-US" dirty="0" smtClean="0"/>
+          <a:bodyPr>
+            <a:noAutofit/>
+          </a:bodyPr>
+          <a:lstStyle/>
+          <a:p>
+            <a:pPr>
+              <a:lnSpc>
+                <a:spcPct val="135000"/>
+              </a:lnSpc>
+              <a:spcAft>
+                <a:spcPts val="600"/>
+              </a:spcAft>
+            </a:pPr>
+            <a:r>
+              <a:rPr lang="en-US" sz="2000" dirty="0" smtClean="0"/>
               <a:t>Vaccines as a whole are ineffective for HIV</a:t>
             </a:r>
           </a:p>
           <a:p>
-            <a:r>
-              <a:rPr lang="en-US" dirty="0" smtClean="0"/>
-              <a:t>However, new techniques show they can be effective on certain strains</a:t>
-            </a:r>
-          </a:p>
-          <a:p>
-            <a:r>
-              <a:rPr lang="en-US" dirty="0" smtClean="0"/>
-              <a:t>Which ones??</a:t>
-            </a:r>
-          </a:p>
-          <a:p>
-            <a:r>
-              <a:rPr lang="en-US" dirty="0" smtClean="0"/>
+            <a:pPr>
+              <a:lnSpc>
+                <a:spcPct val="135000"/>
+              </a:lnSpc>
+              <a:spcAft>
+                <a:spcPts val="600"/>
+              </a:spcAft>
+            </a:pPr>
+            <a:r>
+              <a:rPr lang="en-US" sz="2000" dirty="0" smtClean="0"/>
+              <a:t>However</a:t>
+            </a:r>
+            <a:r>
+              <a:rPr lang="en-US" sz="2000" dirty="0" smtClean="0"/>
+              <a:t>, new techniques show they can be effective on certain strains</a:t>
+            </a:r>
+          </a:p>
+          <a:p>
+            <a:pPr lvl="1">
+              <a:lnSpc>
+                <a:spcPct val="135000"/>
+              </a:lnSpc>
+              <a:spcAft>
+                <a:spcPts val="600"/>
+              </a:spcAft>
+            </a:pPr>
+            <a:r>
+              <a:rPr lang="en-US" sz="2000" dirty="0" smtClean="0"/>
+              <a:t>Which ones</a:t>
+            </a:r>
+            <a:r>
+              <a:rPr lang="en-US" sz="2000" dirty="0" smtClean="0"/>
+              <a:t>???</a:t>
+            </a:r>
+            <a:endParaRPr lang="en-US" sz="2000" dirty="0" smtClean="0"/>
+          </a:p>
+          <a:p>
+            <a:pPr>
+              <a:lnSpc>
+                <a:spcPct val="135000"/>
+              </a:lnSpc>
+              <a:spcAft>
+                <a:spcPts val="600"/>
+              </a:spcAft>
+            </a:pPr>
+            <a:r>
+              <a:rPr lang="en-US" sz="2000" dirty="0" smtClean="0"/>
               <a:t>Sieve analysis studies the similarities of the genomes the HIV in patients to the vaccine administered</a:t>
             </a:r>
-            <a:endParaRPr lang="en-US" dirty="0"/>
-          </a:p>
-          <a:p>
-            <a:r>
-              <a:rPr lang="en-US" dirty="0" smtClean="0"/>
+            <a:endParaRPr lang="en-US" sz="2000" dirty="0"/>
+          </a:p>
+          <a:p>
+            <a:pPr>
+              <a:lnSpc>
+                <a:spcPct val="135000"/>
+              </a:lnSpc>
+              <a:spcAft>
+                <a:spcPts val="600"/>
+              </a:spcAft>
+            </a:pPr>
+            <a:r>
+              <a:rPr lang="en-US" sz="2000" dirty="0" smtClean="0"/>
               <a:t>Our task: create an interactive visualization to aid in exploring this data.</a:t>
             </a:r>
           </a:p>
           <a:p>
-            <a:r>
-              <a:rPr lang="en-US" dirty="0" smtClean="0"/>
+            <a:pPr>
+              <a:lnSpc>
+                <a:spcPct val="135000"/>
+              </a:lnSpc>
+              <a:spcAft>
+                <a:spcPts val="600"/>
+              </a:spcAft>
+            </a:pPr>
+            <a:r>
+              <a:rPr lang="en-US" sz="2000" dirty="0" smtClean="0"/>
               <a:t>Working with Andrew </a:t>
             </a:r>
             <a:r>
-              <a:rPr lang="en-US" dirty="0" err="1" smtClean="0"/>
+              <a:rPr lang="en-US" sz="2000" dirty="0" err="1" smtClean="0"/>
               <a:t>Gartland</a:t>
             </a:r>
             <a:r>
-              <a:rPr lang="en-US" dirty="0" smtClean="0"/>
+              <a:rPr lang="en-US" sz="2000" dirty="0" smtClean="0"/>
               <a:t> and Allan </a:t>
             </a:r>
             <a:r>
-              <a:rPr lang="en-US" dirty="0" err="1" smtClean="0"/>
+              <a:rPr lang="en-US" sz="2000" dirty="0" err="1" smtClean="0"/>
               <a:t>DeCamp</a:t>
             </a:r>
             <a:r>
-              <a:rPr lang="en-US" dirty="0" smtClean="0"/>
+              <a:rPr lang="en-US" sz="2000" dirty="0" smtClean="0"/>
               <a:t> at Fred Hutch</a:t>
             </a:r>
           </a:p>
@@ -3202,10 +4005,14 @@
           <a:lstStyle/>
           <a:p>
             <a:r>
-              <a:rPr lang="en-US" dirty="0" smtClean="0"/>
-              <a:t>Prior Work</a:t>
-            </a:r>
-            <a:endParaRPr lang="en-US" dirty="0"/>
+              <a:rPr lang="en-US" dirty="0" smtClean="0">
+                <a:cs typeface="Aharoni" panose="02010803020104030203" pitchFamily="2" charset="-79"/>
+              </a:rPr>
+              <a:t>PRIOR WORK</a:t>
+            </a:r>
+            <a:endParaRPr lang="en-US" dirty="0">
+              <a:cs typeface="Aharoni" panose="02010803020104030203" pitchFamily="2" charset="-79"/>
+            </a:endParaRPr>
           </a:p>
         </p:txBody>
       </p:sp>
@@ -3629,7 +4436,7 @@
           <a:p>
             <a:r>
               <a:rPr lang="en-US" dirty="0" smtClean="0"/>
-              <a:t>S.I.E.V.E.: 3 parts so far</a:t>
+              <a:t>S.I.E.V.E.: 3 PARTS SO FAR</a:t>
             </a:r>
             <a:endParaRPr lang="en-US" dirty="0"/>
           </a:p>
@@ -3637,101 +4444,186 @@
       </p:sp>
       <p:sp>
         <p:nvSpPr>
-          <p:cNvPr id="3" name="Content Placeholder 2"/>
-          <p:cNvSpPr>
-            <a:spLocks noGrp="1"/>
-          </p:cNvSpPr>
-          <p:nvPr>
-            <p:ph idx="1"/>
+          <p:cNvPr id="8" name="Text Placeholder 7"/>
+          <p:cNvSpPr>
+            <a:spLocks noGrp="1"/>
+          </p:cNvSpPr>
+          <p:nvPr>
+            <p:ph type="body" idx="1"/>
           </p:nvPr>
         </p:nvSpPr>
         <p:spPr>
           <a:xfrm>
-            <a:off x="838200" y="1825625"/>
-            <a:ext cx="5063836" cy="4351338"/>
+            <a:off x="839788" y="2058600"/>
+            <a:ext cx="3200400" cy="906303"/>
           </a:xfrm>
         </p:spPr>
         <p:txBody>
-          <a:bodyPr/>
-          <a:lstStyle/>
-          <a:p>
-            <a:r>
-              <a:rPr lang="en-US" dirty="0" smtClean="0"/>
-              <a:t>Overview graphic/site selection</a:t>
-            </a:r>
-          </a:p>
-          <a:p>
-            <a:endParaRPr lang="en-US" dirty="0"/>
-          </a:p>
-          <a:p>
-            <a:pPr marL="0" indent="0">
-              <a:buNone/>
-            </a:pPr>
-            <a:endParaRPr lang="en-US" dirty="0" smtClean="0"/>
-          </a:p>
-          <a:p>
-            <a:r>
-              <a:rPr lang="en-US" dirty="0" smtClean="0"/>
-              <a:t>Group statistics</a:t>
-            </a:r>
-            <a:endParaRPr lang="en-US" dirty="0"/>
+          <a:bodyPr>
+            <a:noAutofit/>
+          </a:bodyPr>
+          <a:lstStyle/>
+          <a:p>
+            <a:r>
+              <a:rPr lang="en-US" sz="2600" b="0" dirty="0" smtClean="0">
+                <a:latin typeface="+mj-lt"/>
+              </a:rPr>
+              <a:t>Overview Graphic/</a:t>
+            </a:r>
+          </a:p>
+          <a:p>
+            <a:r>
+              <a:rPr lang="en-US" sz="2600" b="0" dirty="0" smtClean="0">
+                <a:latin typeface="+mj-lt"/>
+              </a:rPr>
+              <a:t>Site Selection</a:t>
+            </a:r>
+            <a:endParaRPr lang="en-US" sz="2600" b="0" dirty="0">
+              <a:latin typeface="+mj-lt"/>
+            </a:endParaRPr>
           </a:p>
         </p:txBody>
       </p:sp>
       <p:pic>
         <p:nvPicPr>
-          <p:cNvPr id="4" name="Picture 3"/>
+          <p:cNvPr id="17" name="Content Placeholder 16"/>
           <p:cNvPicPr>
-            <a:picLocks noChangeAspect="1"/>
+            <a:picLocks noGrp="1" noChangeAspect="1"/>
           </p:cNvPicPr>
-          <p:nvPr/>
+          <p:nvPr>
+            <p:ph sz="half" idx="2"/>
+          </p:nvPr>
         </p:nvPicPr>
         <p:blipFill>
-          <a:blip r:embed="rId2">
-            <a:extLst>
-              <a:ext uri="{28A0092B-C50C-407E-A947-70E740481C1C}">
-                <a14:useLocalDpi xmlns:a14="http://schemas.microsoft.com/office/drawing/2010/main" val="0"/>
-              </a:ext>
-            </a:extLst>
-          </a:blip>
+          <a:blip r:embed="rId2"/>
           <a:stretch>
             <a:fillRect/>
           </a:stretch>
         </p:blipFill>
         <p:spPr>
           <a:xfrm>
-            <a:off x="838200" y="2258238"/>
-            <a:ext cx="5482102" cy="1059253"/>
+            <a:off x="679768" y="3327369"/>
+            <a:ext cx="3520441" cy="680617"/>
           </a:xfrm>
           <a:prstGeom prst="rect">
             <a:avLst/>
           </a:prstGeom>
         </p:spPr>
       </p:pic>
+      <p:sp>
+        <p:nvSpPr>
+          <p:cNvPr id="9" name="Text Placeholder 8"/>
+          <p:cNvSpPr>
+            <a:spLocks noGrp="1"/>
+          </p:cNvSpPr>
+          <p:nvPr>
+            <p:ph type="body" sz="quarter" idx="3"/>
+          </p:nvPr>
+        </p:nvSpPr>
+        <p:spPr>
+          <a:xfrm>
+            <a:off x="4496594" y="2058600"/>
+            <a:ext cx="3200400" cy="906303"/>
+          </a:xfrm>
+        </p:spPr>
+        <p:txBody>
+          <a:bodyPr>
+            <a:noAutofit/>
+          </a:bodyPr>
+          <a:lstStyle/>
+          <a:p>
+            <a:r>
+              <a:rPr lang="en-US" sz="2600" b="0" dirty="0" smtClean="0">
+                <a:latin typeface="+mj-lt"/>
+              </a:rPr>
+              <a:t>Individual Site Charts</a:t>
+            </a:r>
+            <a:endParaRPr lang="en-US" sz="2600" b="0" dirty="0">
+              <a:latin typeface="+mj-lt"/>
+            </a:endParaRPr>
+          </a:p>
+        </p:txBody>
+      </p:sp>
       <p:pic>
         <p:nvPicPr>
-          <p:cNvPr id="5" name="Picture 4"/>
+          <p:cNvPr id="18" name="Content Placeholder 17"/>
           <p:cNvPicPr>
-            <a:picLocks noChangeAspect="1"/>
+            <a:picLocks noGrp="1" noChangeAspect="1"/>
           </p:cNvPicPr>
-          <p:nvPr/>
+          <p:nvPr>
+            <p:ph sz="quarter" idx="4"/>
+          </p:nvPr>
         </p:nvPicPr>
         <p:blipFill>
-          <a:blip r:embed="rId3">
-            <a:extLst>
-              <a:ext uri="{28A0092B-C50C-407E-A947-70E740481C1C}">
-                <a14:useLocalDpi xmlns:a14="http://schemas.microsoft.com/office/drawing/2010/main" val="0"/>
-              </a:ext>
-            </a:extLst>
-          </a:blip>
+          <a:blip r:embed="rId3"/>
           <a:stretch>
             <a:fillRect/>
           </a:stretch>
         </p:blipFill>
         <p:spPr>
           <a:xfrm>
-            <a:off x="6320302" y="2258238"/>
-            <a:ext cx="4058732" cy="3564626"/>
+            <a:off x="4337368" y="3217536"/>
+            <a:ext cx="3520441" cy="3096929"/>
+          </a:xfrm>
+          <a:prstGeom prst="rect">
+            <a:avLst/>
+          </a:prstGeom>
+        </p:spPr>
+      </p:pic>
+      <p:sp>
+        <p:nvSpPr>
+          <p:cNvPr id="15" name="Text Placeholder 14"/>
+          <p:cNvSpPr>
+            <a:spLocks noGrp="1"/>
+          </p:cNvSpPr>
+          <p:nvPr>
+            <p:ph type="body" sz="quarter" idx="13"/>
+          </p:nvPr>
+        </p:nvSpPr>
+        <p:spPr>
+          <a:xfrm>
+            <a:off x="8153400" y="2058600"/>
+            <a:ext cx="3200400" cy="906303"/>
+          </a:xfrm>
+        </p:spPr>
+        <p:txBody>
+          <a:bodyPr>
+            <a:noAutofit/>
+          </a:bodyPr>
+          <a:lstStyle/>
+          <a:p>
+            <a:r>
+              <a:rPr lang="en-US" sz="2600" b="0" dirty="0" smtClean="0">
+                <a:latin typeface="+mj-lt"/>
+              </a:rPr>
+              <a:t>Group Statistics</a:t>
+            </a:r>
+            <a:endParaRPr lang="en-US" sz="2600" b="0" dirty="0">
+              <a:latin typeface="+mj-lt"/>
+            </a:endParaRPr>
+          </a:p>
+        </p:txBody>
+      </p:sp>
+      <p:pic>
+        <p:nvPicPr>
+          <p:cNvPr id="19" name="Content Placeholder 18"/>
+          <p:cNvPicPr>
+            <a:picLocks noGrp="1" noChangeAspect="1"/>
+          </p:cNvPicPr>
+          <p:nvPr>
+            <p:ph sz="quarter" idx="14"/>
+          </p:nvPr>
+        </p:nvPicPr>
+        <p:blipFill>
+          <a:blip r:embed="rId4"/>
+          <a:stretch>
+            <a:fillRect/>
+          </a:stretch>
+        </p:blipFill>
+        <p:spPr>
+          <a:xfrm>
+            <a:off x="7993380" y="3263887"/>
+            <a:ext cx="3520441" cy="2077214"/>
           </a:xfrm>
           <a:prstGeom prst="rect">
             <a:avLst/>
@@ -3924,12 +4816,6 @@
             </a:lvl9pPr>
           </a:lstStyle>
           <a:p>
-            <a:r>
-              <a:rPr lang="en-US" dirty="0" smtClean="0"/>
-              <a:t>Individual site charts</a:t>
-            </a:r>
-          </a:p>
-          <a:p>
             <a:endParaRPr lang="en-US" dirty="0" smtClean="0"/>
           </a:p>
           <a:p>
@@ -3940,36 +4826,6 @@
           </a:p>
         </p:txBody>
       </p:sp>
-      <p:pic>
-        <p:nvPicPr>
-          <p:cNvPr id="7" name="Picture 6"/>
-          <p:cNvPicPr>
-            <a:picLocks noChangeAspect="1"/>
-          </p:cNvPicPr>
-          <p:nvPr/>
-        </p:nvPicPr>
-        <p:blipFill>
-          <a:blip r:embed="rId4">
-            <a:extLst>
-              <a:ext uri="{28A0092B-C50C-407E-A947-70E740481C1C}">
-                <a14:useLocalDpi xmlns:a14="http://schemas.microsoft.com/office/drawing/2010/main" val="0"/>
-              </a:ext>
-            </a:extLst>
-          </a:blip>
-          <a:stretch>
-            <a:fillRect/>
-          </a:stretch>
-        </p:blipFill>
-        <p:spPr>
-          <a:xfrm>
-            <a:off x="1497724" y="3885041"/>
-            <a:ext cx="4163053" cy="2458667"/>
-          </a:xfrm>
-          <a:prstGeom prst="rect">
-            <a:avLst/>
-          </a:prstGeom>
-        </p:spPr>
-      </p:pic>
     </p:spTree>
     <p:extLst>
       <p:ext uri="{BB962C8B-B14F-4D97-AF65-F5344CB8AC3E}">
@@ -4024,7 +4880,7 @@
           <a:p>
             <a:r>
               <a:rPr lang="en-US" dirty="0" smtClean="0"/>
-              <a:t>Works in progress:</a:t>
+              <a:t>WORKS IN PROGRESS:</a:t>
             </a:r>
             <a:endParaRPr lang="en-US" dirty="0"/>
           </a:p>
@@ -4040,36 +4896,68 @@
             <p:ph idx="1"/>
           </p:nvPr>
         </p:nvSpPr>
-        <p:spPr/>
-        <p:txBody>
-          <a:bodyPr/>
-          <a:lstStyle/>
-          <a:p>
-            <a:r>
-              <a:rPr lang="en-US" dirty="0" smtClean="0"/>
+        <p:spPr>
+          <a:xfrm>
+            <a:off x="838200" y="1571625"/>
+            <a:ext cx="9701784" cy="4605338"/>
+          </a:xfrm>
+        </p:spPr>
+        <p:txBody>
+          <a:bodyPr>
+            <a:noAutofit/>
+          </a:bodyPr>
+          <a:lstStyle/>
+          <a:p>
+            <a:pPr>
+              <a:lnSpc>
+                <a:spcPct val="105000"/>
+              </a:lnSpc>
+            </a:pPr>
+            <a:r>
+              <a:rPr lang="en-US" sz="2400" dirty="0" smtClean="0"/>
               <a:t>Better selection</a:t>
             </a:r>
           </a:p>
           <a:p>
-            <a:r>
-              <a:rPr lang="en-US" dirty="0" smtClean="0"/>
+            <a:pPr>
+              <a:lnSpc>
+                <a:spcPct val="105000"/>
+              </a:lnSpc>
+            </a:pPr>
+            <a:r>
+              <a:rPr lang="en-US" sz="2400" dirty="0" smtClean="0"/>
               <a:t>More statistics shown: visually encode statistically interesting sites to view</a:t>
             </a:r>
           </a:p>
           <a:p>
-            <a:r>
-              <a:rPr lang="en-US" dirty="0" smtClean="0"/>
+            <a:pPr>
+              <a:lnSpc>
+                <a:spcPct val="105000"/>
+              </a:lnSpc>
+            </a:pPr>
+            <a:r>
+              <a:rPr lang="en-US" sz="2400" dirty="0" smtClean="0"/>
               <a:t>Allow researchers to upload their own data for other vaccine studies</a:t>
             </a:r>
           </a:p>
           <a:p>
-            <a:r>
-              <a:rPr lang="en-US" dirty="0" smtClean="0"/>
+            <a:pPr>
+              <a:lnSpc>
+                <a:spcPct val="105000"/>
+              </a:lnSpc>
+            </a:pPr>
+            <a:r>
+              <a:rPr lang="en-US" sz="2400" dirty="0" smtClean="0"/>
               <a:t>Implement customization of colors, annotation of graphics, and export of images for use in sieve analysis papers</a:t>
             </a:r>
           </a:p>
           <a:p>
-            <a:endParaRPr lang="en-US" dirty="0"/>
+            <a:pPr>
+              <a:lnSpc>
+                <a:spcPct val="105000"/>
+              </a:lnSpc>
+            </a:pPr>
+            <a:endParaRPr lang="en-US" sz="2400" dirty="0"/>
           </a:p>
         </p:txBody>
       </p:sp>
@@ -4127,12 +5015,9 @@
           <a:p>
             <a:r>
               <a:rPr lang="en-US" dirty="0" smtClean="0"/>
-              <a:t>Feedback Solicitatio</a:t>
-            </a:r>
-            <a:r>
-              <a:rPr lang="en-US" dirty="0"/>
-              <a:t>n</a:t>
-            </a:r>
+              <a:t>FEEDBACK SOLICITATION</a:t>
+            </a:r>
+            <a:endParaRPr lang="en-US" dirty="0"/>
           </a:p>
         </p:txBody>
       </p:sp>
@@ -4146,38 +5031,93 @@
             <p:ph idx="1"/>
           </p:nvPr>
         </p:nvSpPr>
-        <p:spPr/>
-        <p:txBody>
-          <a:bodyPr/>
-          <a:lstStyle/>
-          <a:p>
-            <a:r>
-              <a:rPr lang="en-US" dirty="0" smtClean="0"/>
+        <p:spPr>
+          <a:xfrm>
+            <a:off x="838199" y="1571625"/>
+            <a:ext cx="9829800" cy="4605338"/>
+          </a:xfrm>
+        </p:spPr>
+        <p:txBody>
+          <a:bodyPr>
+            <a:noAutofit/>
+          </a:bodyPr>
+          <a:lstStyle/>
+          <a:p>
+            <a:pPr marL="0" indent="0">
+              <a:lnSpc>
+                <a:spcPct val="125000"/>
+              </a:lnSpc>
+              <a:buNone/>
+            </a:pPr>
+            <a:r>
+              <a:rPr lang="en-US" sz="2600" dirty="0" smtClean="0">
+                <a:latin typeface="+mj-lt"/>
+              </a:rPr>
               <a:t>What selection mechanism would work best for this type of data?</a:t>
             </a:r>
           </a:p>
           <a:p>
-            <a:pPr lvl="1"/>
+            <a:pPr lvl="1">
+              <a:lnSpc>
+                <a:spcPct val="125000"/>
+              </a:lnSpc>
+            </a:pPr>
             <a:r>
               <a:rPr lang="en-US" dirty="0" smtClean="0"/>
               <a:t>Data is in a very long sequence, but researchers need fine grained control</a:t>
             </a:r>
           </a:p>
           <a:p>
-            <a:pPr lvl="1"/>
+            <a:pPr lvl="1">
+              <a:lnSpc>
+                <a:spcPct val="125000"/>
+              </a:lnSpc>
+            </a:pPr>
             <a:r>
               <a:rPr lang="en-US" dirty="0" smtClean="0"/>
               <a:t>Ideally easily select multiple disconnected sequences across the genome, with ability to quickly select sequences of a specified length</a:t>
             </a:r>
           </a:p>
           <a:p>
-            <a:r>
-              <a:rPr lang="en-US" dirty="0" smtClean="0"/>
-              <a:t>Best way to export a D3 graphic to PDF format for inclusion in papers?</a:t>
-            </a:r>
-          </a:p>
-          <a:p>
-            <a:pPr lvl="1"/>
+            <a:pPr marL="0" indent="0">
+              <a:lnSpc>
+                <a:spcPct val="125000"/>
+              </a:lnSpc>
+              <a:buNone/>
+            </a:pPr>
+            <a:endParaRPr lang="en-US" sz="2400" b="1" dirty="0" smtClean="0">
+              <a:latin typeface="Calibri" panose="020F0502020204030204" pitchFamily="34" charset="0"/>
+              <a:cs typeface="BrowalliaUPC" panose="020B0604020202020204" pitchFamily="34" charset="-34"/>
+            </a:endParaRPr>
+          </a:p>
+          <a:p>
+            <a:pPr marL="0" indent="0">
+              <a:lnSpc>
+                <a:spcPct val="125000"/>
+              </a:lnSpc>
+              <a:buNone/>
+            </a:pPr>
+            <a:r>
+              <a:rPr lang="en-US" sz="2600" dirty="0" smtClean="0">
+                <a:latin typeface="+mj-lt"/>
+                <a:cs typeface="BrowalliaUPC" panose="020B0604020202020204" pitchFamily="34" charset="-34"/>
+              </a:rPr>
+              <a:t>Best </a:t>
+            </a:r>
+            <a:r>
+              <a:rPr lang="en-US" sz="2600" dirty="0" smtClean="0">
+                <a:latin typeface="+mj-lt"/>
+                <a:cs typeface="BrowalliaUPC" panose="020B0604020202020204" pitchFamily="34" charset="-34"/>
+              </a:rPr>
+              <a:t>way to export a D3 graphic to PDF format for inclusion in papers?</a:t>
+            </a:r>
+          </a:p>
+          <a:p>
+            <a:pPr lvl="1">
+              <a:lnSpc>
+                <a:spcPct val="125000"/>
+              </a:lnSpc>
+            </a:pPr>
             <a:r>
               <a:rPr lang="en-US" dirty="0" smtClean="0"/>
               <a:t>SVG is inconvenient for the researchers</a:t>
@@ -4246,76 +5186,16 @@
         <a:srgbClr val="954F72"/>
       </a:folHlink>
     </a:clrScheme>
-    <a:fontScheme name="Office">
+    <a:fontScheme name="Custom 2">
       <a:majorFont>
-        <a:latin typeface="Calibri Light" panose="020F0302020204030204"/>
+        <a:latin typeface="Calibri Light"/>
         <a:ea typeface=""/>
         <a:cs typeface=""/>
-        <a:font script="Jpan" typeface="ＭＳ Ｐゴシック"/>
-        <a:font script="Hang" typeface="맑은 고딕"/>
-        <a:font script="Hans" typeface="宋体"/>
-        <a:font script="Hant" typeface="新細明體"/>
-        <a:font script="Arab" typeface="Times New Roman"/>
-        <a:font script="Hebr" typeface="Times New Roman"/>
-        <a:font script="Thai" typeface="Angsana New"/>
-        <a:font script="Ethi" typeface="Nyala"/>
-        <a:font script="Beng" typeface="Vrinda"/>
-        <a:font script="Gujr" typeface="Shruti"/>
-        <a:font script="Khmr" typeface="MoolBoran"/>
-        <a:font script="Knda" typeface="Tunga"/>
-        <a:font script="Guru" typeface="Raavi"/>
-        <a:font script="Cans" typeface="Euphemia"/>
-        <a:font script="Cher" typeface="Plantagenet Cherokee"/>
-        <a:font script="Yiii" typeface="Microsoft Yi Baiti"/>
-        <a:font script="Tibt" typeface="Microsoft Himalaya"/>
-        <a:font script="Thaa" typeface="MV Boli"/>
-        <a:font script="Deva" typeface="Mangal"/>
-        <a:font script="Telu" typeface="Gautami"/>
-        <a:font script="Taml" typeface="Latha"/>
-        <a:font script="Syrc" typeface="Estrangelo Edessa"/>
-        <a:font script="Orya" typeface="Kalinga"/>
-        <a:font script="Mlym" typeface="Kartika"/>
-        <a:font script="Laoo" typeface="DokChampa"/>
-        <a:font script="Sinh" typeface="Iskoola Pota"/>
-        <a:font script="Mong" typeface="Mongolian Baiti"/>
-        <a:font script="Viet" typeface="Times New Roman"/>
-        <a:font script="Uigh" typeface="Microsoft Uighur"/>
-        <a:font script="Geor" typeface="Sylfaen"/>
       </a:majorFont>
       <a:minorFont>
-        <a:latin typeface="Calibri" panose="020F0502020204030204"/>
+        <a:latin typeface="Cambria"/>
         <a:ea typeface=""/>
         <a:cs typeface=""/>
-        <a:font script="Jpan" typeface="ＭＳ Ｐゴシック"/>
-        <a:font script="Hang" typeface="맑은 고딕"/>
-        <a:font script="Hans" typeface="宋体"/>
-        <a:font script="Hant" typeface="新細明體"/>
-        <a:font script="Arab" typeface="Arial"/>
-        <a:font script="Hebr" typeface="Arial"/>
-        <a:font script="Thai" typeface="Cordia New"/>
-        <a:font script="Ethi" typeface="Nyala"/>
-        <a:font script="Beng" typeface="Vrinda"/>
-        <a:font script="Gujr" typeface="Shruti"/>
-        <a:font script="Khmr" typeface="DaunPenh"/>
-        <a:font script="Knda" typeface="Tunga"/>
-        <a:font script="Guru" typeface="Raavi"/>
-        <a:font script="Cans" typeface="Euphemia"/>
-        <a:font script="Cher" typeface="Plantagenet Cherokee"/>
-        <a:font script="Yiii" typeface="Microsoft Yi Baiti"/>
-        <a:font script="Tibt" typeface="Microsoft Himalaya"/>
-        <a:font script="Thaa" typeface="MV Boli"/>
-        <a:font script="Deva" typeface="Mangal"/>
-        <a:font script="Telu" typeface="Gautami"/>
-        <a:font script="Taml" typeface="Latha"/>
-        <a:font script="Syrc" typeface="Estrangelo Edessa"/>
-        <a:font script="Orya" typeface="Kalinga"/>
-        <a:font script="Mlym" typeface="Kartika"/>
-        <a:font script="Laoo" typeface="DokChampa"/>
-        <a:font script="Sinh" typeface="Iskoola Pota"/>
-        <a:font script="Mong" typeface="Mongolian Baiti"/>
-        <a:font script="Viet" typeface="Arial"/>
-        <a:font script="Uigh" typeface="Microsoft Uighur"/>
-        <a:font script="Geor" typeface="Sylfaen"/>
       </a:minorFont>
     </a:fontScheme>
     <a:fmtScheme name="Office">
